--- a/2015口試.pptx
+++ b/2015口試.pptx
@@ -587,104 +587,127 @@
           <a:bodyPr/>
           <a:lstStyle/>
           <a:p>
-            <a:pPr>
-              <a:lnSpc>
-                <a:spcPct val="150000"/>
-              </a:lnSpc>
-            </a:pPr>
-            <a:r>
-              <a:rPr kumimoji="1" lang="zh-CHT" altLang="en-US" dirty="0" smtClean="0">
-                <a:latin typeface="微軟正黑體" charset="0"/>
-                <a:ea typeface="微軟正黑體" charset="0"/>
-                <a:cs typeface="微軟正黑體" charset="0"/>
-              </a:rPr>
-              <a:t>部落客整理</a:t>
-            </a:r>
-            <a:r>
-              <a:rPr kumimoji="1" lang="en-US" altLang="zh-CHT" dirty="0" smtClean="0">
-                <a:latin typeface="微軟正黑體" charset="0"/>
-                <a:ea typeface="微軟正黑體" charset="0"/>
-                <a:cs typeface="微軟正黑體" charset="0"/>
-              </a:rPr>
-              <a:t>29</a:t>
-            </a:r>
-            <a:r>
-              <a:rPr kumimoji="1" lang="zh-CHT" altLang="en-US" dirty="0" smtClean="0">
-                <a:latin typeface="微軟正黑體" charset="0"/>
-                <a:ea typeface="微軟正黑體" charset="0"/>
-                <a:cs typeface="微軟正黑體" charset="0"/>
-              </a:rPr>
-              <a:t>首熱門的流行音樂，並將它們串起來變成一部影片</a:t>
-            </a:r>
-            <a:endParaRPr kumimoji="1" lang="zh-CHT" altLang="en-US" dirty="0" smtClean="0">
-              <a:latin typeface="微軟正黑體" charset="0"/>
-              <a:ea typeface="微軟正黑體" charset="0"/>
-              <a:cs typeface="微軟正黑體" charset="0"/>
-            </a:endParaRPr>
-          </a:p>
-          <a:p>
-            <a:pPr>
-              <a:lnSpc>
-                <a:spcPct val="150000"/>
-              </a:lnSpc>
-            </a:pPr>
-            <a:r>
-              <a:rPr kumimoji="1" lang="zh-CHT" altLang="en-US" dirty="0" smtClean="0">
-                <a:latin typeface="微軟正黑體" charset="0"/>
-                <a:ea typeface="微軟正黑體" charset="0"/>
-                <a:cs typeface="微軟正黑體" charset="0"/>
-              </a:rPr>
-              <a:t>相同或相似的和弦進行被重複利用，只是轉了調改了節奏。</a:t>
-            </a:r>
-          </a:p>
-          <a:p>
-            <a:pPr>
-              <a:lnSpc>
-                <a:spcPct val="150000"/>
-              </a:lnSpc>
-            </a:pPr>
-            <a:r>
-              <a:rPr kumimoji="1" lang="zh-CHT" altLang="en-US" dirty="0" smtClean="0">
-                <a:latin typeface="微軟正黑體" charset="0"/>
-                <a:ea typeface="微軟正黑體" charset="0"/>
-                <a:cs typeface="微軟正黑體" charset="0"/>
-              </a:rPr>
-              <a:t>是不是聽眾對於流行音樂有一些特別的「口味」？</a:t>
-            </a:r>
-          </a:p>
-          <a:p>
-            <a:pPr>
-              <a:lnSpc>
-                <a:spcPct val="150000"/>
-              </a:lnSpc>
-            </a:pPr>
-            <a:r>
-              <a:rPr kumimoji="1" lang="zh-CHT" altLang="en-US" dirty="0" smtClean="0">
-                <a:latin typeface="微軟正黑體" charset="0"/>
-                <a:ea typeface="微軟正黑體" charset="0"/>
-                <a:cs typeface="微軟正黑體" charset="0"/>
-              </a:rPr>
-              <a:t>雖然有人提出這樣的</a:t>
-            </a:r>
-            <a:r>
-              <a:rPr kumimoji="1" lang="zh-CHT" altLang="en-US" dirty="0" smtClean="0">
-                <a:latin typeface="微軟正黑體" charset="0"/>
-                <a:ea typeface="微軟正黑體" charset="0"/>
-                <a:cs typeface="微軟正黑體" charset="0"/>
-              </a:rPr>
-              <a:t>現象</a:t>
-            </a:r>
-            <a:r>
-              <a:rPr kumimoji="1" lang="zh-CHT" altLang="en-US" dirty="0" smtClean="0">
-                <a:latin typeface="微軟正黑體" charset="0"/>
-                <a:ea typeface="微軟正黑體" charset="0"/>
-                <a:cs typeface="微軟正黑體" charset="0"/>
-              </a:rPr>
-              <a:t>，但沒有實際的統計或者數據分析探討其真實性。</a:t>
-            </a:r>
-          </a:p>
-          <a:p>
-            <a:endParaRPr kumimoji="1" lang="zh-CHT" altLang="en-US" dirty="0"/>
+            <a:r>
+              <a:rPr kumimoji="1" lang="zh-CHT" altLang="en-US" dirty="0" smtClean="0"/>
+              <a:t>問好：</a:t>
+            </a:r>
+            <a:endParaRPr kumimoji="1" lang="en-US" altLang="zh-CHT" dirty="0" smtClean="0"/>
+          </a:p>
+          <a:p>
+            <a:r>
+              <a:rPr kumimoji="1" lang="en-US" altLang="zh-CHT" dirty="0" smtClean="0"/>
+              <a:t>	</a:t>
+            </a:r>
+            <a:r>
+              <a:rPr kumimoji="1" lang="zh-CHT" altLang="en-US" dirty="0" smtClean="0"/>
+              <a:t>各位老師，早安</a:t>
+            </a:r>
+          </a:p>
+          <a:p>
+            <a:r>
+              <a:rPr kumimoji="1" lang="zh-CHT" altLang="en-US" dirty="0" smtClean="0"/>
+              <a:t>自我介紹：</a:t>
+            </a:r>
+          </a:p>
+          <a:p>
+            <a:r>
+              <a:rPr kumimoji="1" lang="zh-CHT" altLang="en-US" dirty="0" smtClean="0"/>
+              <a:t>	我是研究生廖偉帆</a:t>
+            </a:r>
+          </a:p>
+          <a:p>
+            <a:r>
+              <a:rPr kumimoji="1" lang="zh-CHT" altLang="en-US" dirty="0" smtClean="0"/>
+              <a:t>	指導老師是李瑞元教授</a:t>
+            </a:r>
+          </a:p>
+          <a:p>
+            <a:r>
+              <a:rPr kumimoji="1" lang="zh-CHT" altLang="en-US" dirty="0" smtClean="0"/>
+              <a:t>致謝：</a:t>
+            </a:r>
+          </a:p>
+          <a:p>
+            <a:r>
+              <a:rPr kumimoji="1" lang="zh-CHT" altLang="en-US" dirty="0" smtClean="0"/>
+              <a:t>	首先感謝</a:t>
+            </a:r>
+          </a:p>
+          <a:p>
+            <a:r>
+              <a:rPr kumimoji="1" lang="zh-CHT" altLang="en-US" dirty="0" smtClean="0"/>
+              <a:t>	感謝各位老師能夠撥空前來</a:t>
+            </a:r>
+          </a:p>
+          <a:p>
+            <a:r>
+              <a:rPr kumimoji="1" lang="zh-CHT" altLang="en-US" dirty="0" smtClean="0"/>
+              <a:t>	在報告進行中</a:t>
+            </a:r>
+          </a:p>
+          <a:p>
+            <a:r>
+              <a:rPr kumimoji="1" lang="zh-CHT" altLang="en-US" dirty="0" smtClean="0"/>
+              <a:t>	若有問題歡迎直接發問</a:t>
+            </a:r>
+          </a:p>
+          <a:p>
+            <a:r>
+              <a:rPr kumimoji="1" lang="zh-CHT" altLang="en-US" dirty="0" smtClean="0"/>
+              <a:t>	若有任何錯誤也希望各位老師能夠不吝指教</a:t>
+            </a:r>
+          </a:p>
+          <a:p>
+            <a:r>
+              <a:rPr kumimoji="1" lang="zh-CHT" altLang="en-US" dirty="0" smtClean="0"/>
+              <a:t>破題：</a:t>
+            </a:r>
+          </a:p>
+          <a:p>
+            <a:r>
+              <a:rPr kumimoji="1" lang="zh-CHT" altLang="en-US" dirty="0" smtClean="0"/>
+              <a:t>	今天要為各位老師介紹我即將進行的研究</a:t>
+            </a:r>
+          </a:p>
+          <a:p>
+            <a:r>
+              <a:rPr kumimoji="1" lang="zh-CHT" altLang="en-US" dirty="0" smtClean="0"/>
+              <a:t>	</a:t>
+            </a:r>
+            <a:r>
+              <a:rPr lang="zh-CHT" altLang="en-US" sz="1200" b="1" dirty="0" smtClean="0">
+                <a:solidFill>
+                  <a:schemeClr val="accent1"/>
+                </a:solidFill>
+                <a:latin typeface="微軟正黑體" charset="0"/>
+                <a:ea typeface="微軟正黑體" charset="0"/>
+                <a:cs typeface="微軟正黑體" charset="0"/>
+              </a:rPr>
+              <a:t>從大數據到台灣華語流行音樂 </a:t>
+            </a:r>
+            <a:r>
+              <a:rPr lang="en-US" altLang="zh-CHT" sz="1200" b="1" baseline="0" dirty="0" smtClean="0">
+                <a:solidFill>
+                  <a:schemeClr val="accent1"/>
+                </a:solidFill>
+                <a:latin typeface="微軟正黑體" charset="0"/>
+                <a:ea typeface="微軟正黑體" charset="0"/>
+                <a:cs typeface="微軟正黑體" charset="0"/>
+              </a:rPr>
+              <a:t> </a:t>
+            </a:r>
+            <a:r>
+              <a:rPr lang="zh-CHT" altLang="en-US" sz="1200" b="1" dirty="0" smtClean="0">
+                <a:solidFill>
+                  <a:schemeClr val="accent1"/>
+                </a:solidFill>
+                <a:latin typeface="微軟正黑體" charset="0"/>
+                <a:ea typeface="微軟正黑體" charset="0"/>
+                <a:cs typeface="微軟正黑體" charset="0"/>
+              </a:rPr>
+              <a:t>熱門和弦結構分析</a:t>
+            </a:r>
+            <a:endParaRPr kumimoji="1" lang="zh-CHT" altLang="en-US" dirty="0" smtClean="0"/>
           </a:p>
         </p:txBody>
       </p:sp>
@@ -705,7 +728,7 @@
           <a:p>
             <a:fld id="{B1668B93-D488-954B-9A69-22144033C044}" type="slidenum">
               <a:rPr kumimoji="1" lang="zh-CHT" altLang="en-US" smtClean="0"/>
-              <a:t>2</a:t>
+              <a:t>1</a:t>
             </a:fld>
             <a:endParaRPr kumimoji="1" lang="zh-CHT" altLang="en-US"/>
           </a:p>
@@ -714,7 +737,7 @@
     </p:spTree>
     <p:extLst>
       <p:ext uri="{BB962C8B-B14F-4D97-AF65-F5344CB8AC3E}">
-        <p14:creationId xmlns:p14="http://schemas.microsoft.com/office/powerpoint/2010/main" val="943190495"/>
+        <p14:creationId xmlns:p14="http://schemas.microsoft.com/office/powerpoint/2010/main" val="417023023"/>
       </p:ext>
     </p:extLst>
   </p:cSld>
@@ -768,10 +791,346 @@
           <a:bodyPr/>
           <a:lstStyle/>
           <a:p>
-            <a:r>
-              <a:rPr kumimoji="1" lang="zh-CHT" altLang="en-US" dirty="0" smtClean="0"/>
-              <a:t>連結接下來資料的來源</a:t>
-            </a:r>
+            <a:pPr>
+              <a:lnSpc>
+                <a:spcPct val="150000"/>
+              </a:lnSpc>
+            </a:pPr>
+            <a:r>
+              <a:rPr kumimoji="1" lang="en-US" altLang="zh-CHT" dirty="0" smtClean="0">
+                <a:latin typeface="微軟正黑體" charset="0"/>
+                <a:ea typeface="微軟正黑體" charset="0"/>
+                <a:cs typeface="微軟正黑體" charset="0"/>
+              </a:rPr>
+              <a:t>intro</a:t>
+            </a:r>
+            <a:r>
+              <a:rPr kumimoji="1" lang="zh-CHT" altLang="en-US" dirty="0" smtClean="0">
+                <a:latin typeface="微軟正黑體" charset="0"/>
+                <a:ea typeface="微軟正黑體" charset="0"/>
+                <a:cs typeface="微軟正黑體" charset="0"/>
+              </a:rPr>
+              <a:t>：</a:t>
+            </a:r>
+          </a:p>
+          <a:p>
+            <a:pPr>
+              <a:lnSpc>
+                <a:spcPct val="150000"/>
+              </a:lnSpc>
+            </a:pPr>
+            <a:r>
+              <a:rPr kumimoji="1" lang="zh-CHT" altLang="en-US" dirty="0" smtClean="0">
+                <a:latin typeface="微軟正黑體" charset="0"/>
+                <a:ea typeface="微軟正黑體" charset="0"/>
+                <a:cs typeface="微軟正黑體" charset="0"/>
+              </a:rPr>
+              <a:t>	在開始之前，</a:t>
+            </a:r>
+          </a:p>
+          <a:p>
+            <a:pPr>
+              <a:lnSpc>
+                <a:spcPct val="150000"/>
+              </a:lnSpc>
+            </a:pPr>
+            <a:r>
+              <a:rPr kumimoji="1" lang="zh-CHT" altLang="en-US" dirty="0" smtClean="0">
+                <a:latin typeface="微軟正黑體" charset="0"/>
+                <a:ea typeface="微軟正黑體" charset="0"/>
+                <a:cs typeface="微軟正黑體" charset="0"/>
+              </a:rPr>
+              <a:t>	為了讓各位老師能夠更了解接下來要介紹的內容</a:t>
+            </a:r>
+          </a:p>
+          <a:p>
+            <a:pPr>
+              <a:lnSpc>
+                <a:spcPct val="150000"/>
+              </a:lnSpc>
+            </a:pPr>
+            <a:r>
+              <a:rPr kumimoji="1" lang="zh-CHT" altLang="en-US" dirty="0" smtClean="0">
+                <a:latin typeface="微軟正黑體" charset="0"/>
+                <a:ea typeface="微軟正黑體" charset="0"/>
+                <a:cs typeface="微軟正黑體" charset="0"/>
+              </a:rPr>
+              <a:t>	我準備了一小段音樂</a:t>
+            </a:r>
+          </a:p>
+          <a:p>
+            <a:pPr>
+              <a:lnSpc>
+                <a:spcPct val="150000"/>
+              </a:lnSpc>
+            </a:pPr>
+            <a:r>
+              <a:rPr kumimoji="1" lang="zh-CHT" altLang="en-US" dirty="0" smtClean="0">
+                <a:latin typeface="微軟正黑體" charset="0"/>
+                <a:ea typeface="微軟正黑體" charset="0"/>
+                <a:cs typeface="微軟正黑體" charset="0"/>
+              </a:rPr>
+              <a:t>	請各位老師聽聽看</a:t>
+            </a:r>
+          </a:p>
+          <a:p>
+            <a:pPr>
+              <a:lnSpc>
+                <a:spcPct val="150000"/>
+              </a:lnSpc>
+            </a:pPr>
+            <a:r>
+              <a:rPr kumimoji="1" lang="zh-CHT" altLang="en-US" dirty="0" smtClean="0">
+                <a:latin typeface="微軟正黑體" charset="0"/>
+                <a:ea typeface="微軟正黑體" charset="0"/>
+                <a:cs typeface="微軟正黑體" charset="0"/>
+              </a:rPr>
+              <a:t>播放音樂：</a:t>
+            </a:r>
+          </a:p>
+          <a:p>
+            <a:pPr>
+              <a:lnSpc>
+                <a:spcPct val="150000"/>
+              </a:lnSpc>
+            </a:pPr>
+            <a:endParaRPr kumimoji="1" lang="zh-CHT" altLang="en-US" dirty="0" smtClean="0">
+              <a:latin typeface="微軟正黑體" charset="0"/>
+              <a:ea typeface="微軟正黑體" charset="0"/>
+              <a:cs typeface="微軟正黑體" charset="0"/>
+            </a:endParaRPr>
+          </a:p>
+          <a:p>
+            <a:pPr>
+              <a:lnSpc>
+                <a:spcPct val="150000"/>
+              </a:lnSpc>
+            </a:pPr>
+            <a:r>
+              <a:rPr kumimoji="1" lang="zh-CHT" altLang="en-US" dirty="0" smtClean="0">
+                <a:latin typeface="微軟正黑體" charset="0"/>
+                <a:ea typeface="微軟正黑體" charset="0"/>
+                <a:cs typeface="微軟正黑體" charset="0"/>
+              </a:rPr>
+              <a:t>帶入主題：</a:t>
+            </a:r>
+          </a:p>
+          <a:p>
+            <a:pPr>
+              <a:lnSpc>
+                <a:spcPct val="150000"/>
+              </a:lnSpc>
+            </a:pPr>
+            <a:r>
+              <a:rPr kumimoji="1" lang="zh-CHT" altLang="en-US" dirty="0" smtClean="0">
+                <a:latin typeface="微軟正黑體" charset="0"/>
+                <a:ea typeface="微軟正黑體" charset="0"/>
+                <a:cs typeface="微軟正黑體" charset="0"/>
+              </a:rPr>
+              <a:t>	這段音樂是一個</a:t>
+            </a:r>
+            <a:r>
+              <a:rPr kumimoji="1" lang="en-US" altLang="zh-CHT" dirty="0" smtClean="0">
+                <a:latin typeface="微軟正黑體" charset="0"/>
+                <a:ea typeface="微軟正黑體" charset="0"/>
+                <a:cs typeface="微軟正黑體" charset="0"/>
+              </a:rPr>
+              <a:t> </a:t>
+            </a:r>
+            <a:r>
+              <a:rPr kumimoji="1" lang="zh-CHT" altLang="en-US" dirty="0" smtClean="0">
+                <a:latin typeface="微軟正黑體" charset="0"/>
+                <a:ea typeface="微軟正黑體" charset="0"/>
+                <a:cs typeface="微軟正黑體" charset="0"/>
+              </a:rPr>
+              <a:t>部落客</a:t>
+            </a:r>
+            <a:r>
+              <a:rPr kumimoji="1" lang="en-US" altLang="zh-CHT" dirty="0" smtClean="0">
+                <a:latin typeface="微軟正黑體" charset="0"/>
+                <a:ea typeface="微軟正黑體" charset="0"/>
+                <a:cs typeface="微軟正黑體" charset="0"/>
+              </a:rPr>
+              <a:t> </a:t>
+            </a:r>
+            <a:r>
+              <a:rPr kumimoji="1" lang="zh-CHT" altLang="en-US" dirty="0" smtClean="0">
+                <a:latin typeface="微軟正黑體" charset="0"/>
+                <a:ea typeface="微軟正黑體" charset="0"/>
+                <a:cs typeface="微軟正黑體" charset="0"/>
+              </a:rPr>
+              <a:t>官大為</a:t>
+            </a:r>
+            <a:r>
+              <a:rPr kumimoji="1" lang="en-US" altLang="zh-CHT" baseline="0" dirty="0" smtClean="0">
+                <a:latin typeface="微軟正黑體" charset="0"/>
+                <a:ea typeface="微軟正黑體" charset="0"/>
+                <a:cs typeface="微軟正黑體" charset="0"/>
+              </a:rPr>
+              <a:t> </a:t>
+            </a:r>
+            <a:r>
+              <a:rPr kumimoji="1" lang="zh-CHT" altLang="en-US" baseline="0" dirty="0" smtClean="0">
+                <a:latin typeface="微軟正黑體" charset="0"/>
+                <a:ea typeface="微軟正黑體" charset="0"/>
+                <a:cs typeface="微軟正黑體" charset="0"/>
+              </a:rPr>
+              <a:t>的一篇部落格文章</a:t>
+            </a:r>
+          </a:p>
+          <a:p>
+            <a:pPr>
+              <a:lnSpc>
+                <a:spcPct val="150000"/>
+              </a:lnSpc>
+            </a:pPr>
+            <a:r>
+              <a:rPr kumimoji="1" lang="zh-CHT" altLang="en-US" baseline="0" dirty="0" smtClean="0">
+                <a:latin typeface="微軟正黑體" charset="0"/>
+                <a:ea typeface="微軟正黑體" charset="0"/>
+                <a:cs typeface="微軟正黑體" charset="0"/>
+              </a:rPr>
+              <a:t>	他</a:t>
+            </a:r>
+            <a:r>
+              <a:rPr kumimoji="1" lang="zh-CHT" altLang="en-US" dirty="0" smtClean="0">
+                <a:latin typeface="微軟正黑體" charset="0"/>
+                <a:ea typeface="微軟正黑體" charset="0"/>
+                <a:cs typeface="微軟正黑體" charset="0"/>
+              </a:rPr>
+              <a:t>整理</a:t>
+            </a:r>
+            <a:r>
+              <a:rPr kumimoji="1" lang="en-US" altLang="zh-CHT" dirty="0" smtClean="0">
+                <a:latin typeface="微軟正黑體" charset="0"/>
+                <a:ea typeface="微軟正黑體" charset="0"/>
+                <a:cs typeface="微軟正黑體" charset="0"/>
+              </a:rPr>
+              <a:t>29</a:t>
+            </a:r>
+            <a:r>
+              <a:rPr kumimoji="1" lang="zh-CHT" altLang="en-US" dirty="0" smtClean="0">
+                <a:latin typeface="微軟正黑體" charset="0"/>
+                <a:ea typeface="微軟正黑體" charset="0"/>
+                <a:cs typeface="微軟正黑體" charset="0"/>
+              </a:rPr>
+              <a:t>首熱門的流行音樂，並將它們串起來變成一部影片</a:t>
+            </a:r>
+            <a:endParaRPr kumimoji="1" lang="zh-CHT" altLang="en-US" dirty="0" smtClean="0">
+              <a:latin typeface="微軟正黑體" charset="0"/>
+              <a:ea typeface="微軟正黑體" charset="0"/>
+              <a:cs typeface="微軟正黑體" charset="0"/>
+            </a:endParaRPr>
+          </a:p>
+          <a:p>
+            <a:pPr>
+              <a:lnSpc>
+                <a:spcPct val="150000"/>
+              </a:lnSpc>
+            </a:pPr>
+            <a:r>
+              <a:rPr kumimoji="1" lang="zh-CHT" altLang="en-US" dirty="0" smtClean="0">
+                <a:latin typeface="微軟正黑體" charset="0"/>
+                <a:ea typeface="微軟正黑體" charset="0"/>
+                <a:cs typeface="微軟正黑體" charset="0"/>
+              </a:rPr>
+              <a:t>	</a:t>
+            </a:r>
+            <a:r>
+              <a:rPr kumimoji="1" lang="zh-CHT" altLang="en-US" dirty="0" smtClean="0">
+                <a:latin typeface="微軟正黑體" charset="0"/>
+                <a:ea typeface="微軟正黑體" charset="0"/>
+                <a:cs typeface="微軟正黑體" charset="0"/>
+              </a:rPr>
+              <a:t>可以發現，</a:t>
+            </a:r>
+            <a:r>
+              <a:rPr kumimoji="1" lang="zh-CHT" altLang="en-US" dirty="0" smtClean="0">
+                <a:latin typeface="微軟正黑體" charset="0"/>
+                <a:ea typeface="微軟正黑體" charset="0"/>
+                <a:cs typeface="微軟正黑體" charset="0"/>
+              </a:rPr>
+              <a:t>相同或相似的和弦進行被重複利用，</a:t>
+            </a:r>
+          </a:p>
+          <a:p>
+            <a:pPr>
+              <a:lnSpc>
+                <a:spcPct val="150000"/>
+              </a:lnSpc>
+            </a:pPr>
+            <a:r>
+              <a:rPr kumimoji="1" lang="zh-CHT" altLang="en-US" dirty="0" smtClean="0">
+                <a:latin typeface="微軟正黑體" charset="0"/>
+                <a:ea typeface="微軟正黑體" charset="0"/>
+                <a:cs typeface="微軟正黑體" charset="0"/>
+              </a:rPr>
+              <a:t>	只是轉了調改了節奏。</a:t>
+            </a:r>
+          </a:p>
+          <a:p>
+            <a:pPr>
+              <a:lnSpc>
+                <a:spcPct val="150000"/>
+              </a:lnSpc>
+            </a:pPr>
+            <a:r>
+              <a:rPr kumimoji="1" lang="zh-CHT" altLang="en-US" dirty="0" smtClean="0">
+                <a:latin typeface="微軟正黑體" charset="0"/>
+                <a:ea typeface="微軟正黑體" charset="0"/>
+                <a:cs typeface="微軟正黑體" charset="0"/>
+              </a:rPr>
+              <a:t>	</a:t>
+            </a:r>
+            <a:r>
+              <a:rPr kumimoji="1" lang="zh-CHT" altLang="en-US" dirty="0" smtClean="0">
+                <a:latin typeface="微軟正黑體" charset="0"/>
+                <a:ea typeface="微軟正黑體" charset="0"/>
+                <a:cs typeface="微軟正黑體" charset="0"/>
+              </a:rPr>
+              <a:t>所以，</a:t>
+            </a:r>
+            <a:r>
+              <a:rPr kumimoji="1" lang="zh-CHT" altLang="en-US" dirty="0" smtClean="0">
+                <a:latin typeface="微軟正黑體" charset="0"/>
+                <a:ea typeface="微軟正黑體" charset="0"/>
+                <a:cs typeface="微軟正黑體" charset="0"/>
+              </a:rPr>
+              <a:t>是不是聽眾對於流行音樂有一些特別的「口味」？</a:t>
+            </a:r>
+          </a:p>
+          <a:p>
+            <a:pPr>
+              <a:lnSpc>
+                <a:spcPct val="150000"/>
+              </a:lnSpc>
+            </a:pPr>
+            <a:r>
+              <a:rPr kumimoji="1" lang="zh-CHT" altLang="en-US" dirty="0" smtClean="0">
+                <a:latin typeface="微軟正黑體" charset="0"/>
+                <a:ea typeface="微軟正黑體" charset="0"/>
+                <a:cs typeface="微軟正黑體" charset="0"/>
+              </a:rPr>
+              <a:t>	雖然有人提出這樣的</a:t>
+            </a:r>
+            <a:r>
+              <a:rPr kumimoji="1" lang="zh-CHT" altLang="en-US" dirty="0" smtClean="0">
+                <a:latin typeface="微軟正黑體" charset="0"/>
+                <a:ea typeface="微軟正黑體" charset="0"/>
+                <a:cs typeface="微軟正黑體" charset="0"/>
+              </a:rPr>
+              <a:t>現象</a:t>
+            </a:r>
+            <a:r>
+              <a:rPr kumimoji="1" lang="zh-CHT" altLang="en-US" dirty="0" smtClean="0">
+                <a:latin typeface="微軟正黑體" charset="0"/>
+                <a:ea typeface="微軟正黑體" charset="0"/>
+                <a:cs typeface="微軟正黑體" charset="0"/>
+              </a:rPr>
+              <a:t>，但沒有實際的統計或者數據分析探討其真實性。</a:t>
+            </a:r>
+          </a:p>
+          <a:p>
             <a:endParaRPr kumimoji="1" lang="zh-CHT" altLang="en-US" dirty="0"/>
           </a:p>
         </p:txBody>
@@ -793,7 +1152,7 @@
           <a:p>
             <a:fld id="{B1668B93-D488-954B-9A69-22144033C044}" type="slidenum">
               <a:rPr kumimoji="1" lang="zh-CHT" altLang="en-US" smtClean="0"/>
-              <a:t>4</a:t>
+              <a:t>2</a:t>
             </a:fld>
             <a:endParaRPr kumimoji="1" lang="zh-CHT" altLang="en-US"/>
           </a:p>
@@ -802,7 +1161,7 @@
     </p:spTree>
     <p:extLst>
       <p:ext uri="{BB962C8B-B14F-4D97-AF65-F5344CB8AC3E}">
-        <p14:creationId xmlns:p14="http://schemas.microsoft.com/office/powerpoint/2010/main" val="274000323"/>
+        <p14:creationId xmlns:p14="http://schemas.microsoft.com/office/powerpoint/2010/main" val="943190495"/>
       </p:ext>
     </p:extLst>
   </p:cSld>
@@ -856,6 +1215,10 @@
           <a:bodyPr/>
           <a:lstStyle/>
           <a:p>
+            <a:r>
+              <a:rPr kumimoji="1" lang="zh-CHT" altLang="en-US" dirty="0" smtClean="0"/>
+              <a:t>連結接下來資料的來源</a:t>
+            </a:r>
             <a:endParaRPr kumimoji="1" lang="zh-CHT" altLang="en-US" dirty="0"/>
           </a:p>
         </p:txBody>
@@ -877,7 +1240,7 @@
           <a:p>
             <a:fld id="{B1668B93-D488-954B-9A69-22144033C044}" type="slidenum">
               <a:rPr kumimoji="1" lang="zh-CHT" altLang="en-US" smtClean="0"/>
-              <a:t>5</a:t>
+              <a:t>4</a:t>
             </a:fld>
             <a:endParaRPr kumimoji="1" lang="zh-CHT" altLang="en-US"/>
           </a:p>
@@ -886,7 +1249,7 @@
     </p:spTree>
     <p:extLst>
       <p:ext uri="{BB962C8B-B14F-4D97-AF65-F5344CB8AC3E}">
-        <p14:creationId xmlns:p14="http://schemas.microsoft.com/office/powerpoint/2010/main" val="1595866557"/>
+        <p14:creationId xmlns:p14="http://schemas.microsoft.com/office/powerpoint/2010/main" val="274000323"/>
       </p:ext>
     </p:extLst>
   </p:cSld>
@@ -940,7 +1303,95 @@
           <a:bodyPr/>
           <a:lstStyle/>
           <a:p>
-            <a:endParaRPr kumimoji="1" lang="zh-CHT" altLang="en-US" dirty="0"/>
+            <a:pPr marL="0" marR="0" indent="0" algn="l" defTabSz="914400" rtl="0" eaLnBrk="1" fontAlgn="auto" latinLnBrk="0" hangingPunct="1">
+              <a:lnSpc>
+                <a:spcPct val="100000"/>
+              </a:lnSpc>
+              <a:spcBef>
+                <a:spcPts val="0"/>
+              </a:spcBef>
+              <a:spcAft>
+                <a:spcPts val="0"/>
+              </a:spcAft>
+              <a:buClrTx/>
+              <a:buSzTx/>
+              <a:buFontTx/>
+              <a:buNone/>
+              <a:tabLst/>
+              <a:defRPr/>
+            </a:pPr>
+            <a:r>
+              <a:rPr lang="zh-CHT" altLang="en-US" dirty="0" smtClean="0">
+                <a:latin typeface="微軟正黑體" charset="0"/>
+                <a:ea typeface="微軟正黑體" charset="0"/>
+                <a:cs typeface="微軟正黑體" charset="0"/>
+              </a:rPr>
+              <a:t>由於數位音樂及串流音樂佔有相當重要的地位</a:t>
+            </a:r>
+          </a:p>
+          <a:p>
+            <a:pPr marL="0" marR="0" indent="0" algn="l" defTabSz="914400" rtl="0" eaLnBrk="1" fontAlgn="auto" latinLnBrk="0" hangingPunct="1">
+              <a:lnSpc>
+                <a:spcPct val="100000"/>
+              </a:lnSpc>
+              <a:spcBef>
+                <a:spcPts val="0"/>
+              </a:spcBef>
+              <a:spcAft>
+                <a:spcPts val="0"/>
+              </a:spcAft>
+              <a:buClrTx/>
+              <a:buSzTx/>
+              <a:buFontTx/>
+              <a:buNone/>
+              <a:tabLst/>
+              <a:defRPr/>
+            </a:pPr>
+            <a:r>
+              <a:rPr lang="zh-CHT" altLang="en-US" dirty="0" smtClean="0">
+                <a:latin typeface="微軟正黑體" charset="0"/>
+                <a:ea typeface="微軟正黑體" charset="0"/>
+                <a:cs typeface="微軟正黑體" charset="0"/>
+              </a:rPr>
+              <a:t>因此本研究將從台灣</a:t>
+            </a:r>
+            <a:r>
+              <a:rPr lang="zh-CHT" altLang="zh-CHT" dirty="0" smtClean="0">
+                <a:latin typeface="微軟正黑體" charset="0"/>
+                <a:ea typeface="微軟正黑體" charset="0"/>
+                <a:cs typeface="微軟正黑體" charset="0"/>
+              </a:rPr>
+              <a:t>數位音樂以及串流音樂</a:t>
+            </a:r>
+            <a:r>
+              <a:rPr lang="zh-CHT" altLang="en-US" dirty="0" smtClean="0">
+                <a:latin typeface="微軟正黑體" charset="0"/>
+                <a:ea typeface="微軟正黑體" charset="0"/>
+                <a:cs typeface="微軟正黑體" charset="0"/>
+              </a:rPr>
+              <a:t>龍頭</a:t>
+            </a:r>
+            <a:r>
+              <a:rPr lang="en-US" altLang="zh-CHT" dirty="0" smtClean="0">
+                <a:latin typeface="微軟正黑體" charset="0"/>
+                <a:ea typeface="微軟正黑體" charset="0"/>
+                <a:cs typeface="微軟正黑體" charset="0"/>
+              </a:rPr>
+              <a:t>KKBOX</a:t>
+            </a:r>
+            <a:r>
+              <a:rPr lang="zh-CHT" altLang="en-US" dirty="0" smtClean="0">
+                <a:latin typeface="微軟正黑體" charset="0"/>
+                <a:ea typeface="微軟正黑體" charset="0"/>
+                <a:cs typeface="微軟正黑體" charset="0"/>
+              </a:rPr>
+              <a:t>提供的資料做為主要來源</a:t>
+            </a:r>
+            <a:endParaRPr lang="zh-CHT" altLang="en-US" dirty="0" smtClean="0">
+              <a:latin typeface="微軟正黑體" charset="0"/>
+              <a:ea typeface="微軟正黑體" charset="0"/>
+              <a:cs typeface="微軟正黑體" charset="0"/>
+            </a:endParaRPr>
           </a:p>
         </p:txBody>
       </p:sp>
@@ -961,7 +1412,7 @@
           <a:p>
             <a:fld id="{B1668B93-D488-954B-9A69-22144033C044}" type="slidenum">
               <a:rPr kumimoji="1" lang="zh-CHT" altLang="en-US" smtClean="0"/>
-              <a:t>6</a:t>
+              <a:t>5</a:t>
             </a:fld>
             <a:endParaRPr kumimoji="1" lang="zh-CHT" altLang="en-US"/>
           </a:p>
@@ -970,7 +1421,7 @@
     </p:spTree>
     <p:extLst>
       <p:ext uri="{BB962C8B-B14F-4D97-AF65-F5344CB8AC3E}">
-        <p14:creationId xmlns:p14="http://schemas.microsoft.com/office/powerpoint/2010/main" val="252692819"/>
+        <p14:creationId xmlns:p14="http://schemas.microsoft.com/office/powerpoint/2010/main" val="1595866557"/>
       </p:ext>
     </p:extLst>
   </p:cSld>
@@ -1024,10 +1475,6 @@
           <a:bodyPr/>
           <a:lstStyle/>
           <a:p>
-            <a:r>
-              <a:rPr kumimoji="1" lang="zh-CHT" altLang="en-US" dirty="0" smtClean="0"/>
-              <a:t>做筆記</a:t>
-            </a:r>
             <a:endParaRPr kumimoji="1" lang="zh-CHT" altLang="en-US" dirty="0"/>
           </a:p>
         </p:txBody>
@@ -1049,7 +1496,7 @@
           <a:p>
             <a:fld id="{B1668B93-D488-954B-9A69-22144033C044}" type="slidenum">
               <a:rPr kumimoji="1" lang="zh-CHT" altLang="en-US" smtClean="0"/>
-              <a:t>8</a:t>
+              <a:t>6</a:t>
             </a:fld>
             <a:endParaRPr kumimoji="1" lang="zh-CHT" altLang="en-US"/>
           </a:p>
@@ -1058,7 +1505,7 @@
     </p:spTree>
     <p:extLst>
       <p:ext uri="{BB962C8B-B14F-4D97-AF65-F5344CB8AC3E}">
-        <p14:creationId xmlns:p14="http://schemas.microsoft.com/office/powerpoint/2010/main" val="1881346364"/>
+        <p14:creationId xmlns:p14="http://schemas.microsoft.com/office/powerpoint/2010/main" val="252692819"/>
       </p:ext>
     </p:extLst>
   </p:cSld>
@@ -1112,10 +1559,162 @@
           <a:bodyPr/>
           <a:lstStyle/>
           <a:p>
-            <a:r>
-              <a:rPr kumimoji="1" lang="zh-CHT" altLang="en-US" dirty="0" smtClean="0"/>
-              <a:t>將每個階段縮圖放置於接下來的頁面</a:t>
-            </a:r>
+            <a:pPr lvl="0"/>
+            <a:r>
+              <a:rPr lang="en-US" altLang="zh-CHT" sz="1200" b="1" kern="1200" dirty="0" smtClean="0">
+                <a:solidFill>
+                  <a:schemeClr val="tx1"/>
+                </a:solidFill>
+                <a:effectLst/>
+                <a:latin typeface="+mn-lt"/>
+                <a:ea typeface="+mn-ea"/>
+                <a:cs typeface="+mn-cs"/>
+              </a:rPr>
+              <a:t>Volume</a:t>
+            </a:r>
+            <a:r>
+              <a:rPr lang="zh-CHT" altLang="zh-CHT" sz="1200" b="1" kern="1200" dirty="0" smtClean="0">
+                <a:solidFill>
+                  <a:schemeClr val="tx1"/>
+                </a:solidFill>
+                <a:effectLst/>
+                <a:latin typeface="+mn-lt"/>
+                <a:ea typeface="+mn-ea"/>
+                <a:cs typeface="+mn-cs"/>
+              </a:rPr>
+              <a:t>（大量）：</a:t>
+            </a:r>
+            <a:r>
+              <a:rPr lang="zh-CHT" altLang="zh-CHT" sz="1200" kern="1200" dirty="0" smtClean="0">
+                <a:solidFill>
+                  <a:schemeClr val="tx1"/>
+                </a:solidFill>
+                <a:effectLst/>
+                <a:latin typeface="+mn-lt"/>
+                <a:ea typeface="+mn-ea"/>
+                <a:cs typeface="+mn-cs"/>
+              </a:rPr>
+              <a:t>意指資料的數量，而大數據的資料量通常是以現有的科技能力難以處理的數量，會隨著科技的演進不斷的增加。</a:t>
+            </a:r>
+          </a:p>
+          <a:p>
+            <a:pPr lvl="0"/>
+            <a:r>
+              <a:rPr lang="en-US" altLang="zh-CHT" sz="1200" b="1" kern="1200" dirty="0" smtClean="0">
+                <a:solidFill>
+                  <a:schemeClr val="tx1"/>
+                </a:solidFill>
+                <a:effectLst/>
+                <a:latin typeface="+mn-lt"/>
+                <a:ea typeface="+mn-ea"/>
+                <a:cs typeface="+mn-cs"/>
+              </a:rPr>
+              <a:t>Velocity</a:t>
+            </a:r>
+            <a:r>
+              <a:rPr lang="zh-CHT" altLang="zh-CHT" sz="1200" b="1" kern="1200" dirty="0" smtClean="0">
+                <a:solidFill>
+                  <a:schemeClr val="tx1"/>
+                </a:solidFill>
+                <a:effectLst/>
+                <a:latin typeface="+mn-lt"/>
+                <a:ea typeface="+mn-ea"/>
+                <a:cs typeface="+mn-cs"/>
+              </a:rPr>
+              <a:t>（快速）：</a:t>
+            </a:r>
+            <a:r>
+              <a:rPr lang="zh-CHT" altLang="zh-CHT" sz="1200" kern="1200" dirty="0" smtClean="0">
+                <a:solidFill>
+                  <a:schemeClr val="tx1"/>
+                </a:solidFill>
+                <a:effectLst/>
+                <a:latin typeface="+mn-lt"/>
+                <a:ea typeface="+mn-ea"/>
+                <a:cs typeface="+mn-cs"/>
+              </a:rPr>
+              <a:t>意指資料產生與更新的速度，例如購物網站不斷快速產生的交易資料或者社群網站上會員的活動紀錄等，每分每秒都在快速地增加與更新。</a:t>
+            </a:r>
+          </a:p>
+          <a:p>
+            <a:pPr lvl="0"/>
+            <a:r>
+              <a:rPr lang="en-US" altLang="zh-CHT" sz="1200" b="1" kern="1200" dirty="0" smtClean="0">
+                <a:solidFill>
+                  <a:schemeClr val="tx1"/>
+                </a:solidFill>
+                <a:effectLst/>
+                <a:latin typeface="+mn-lt"/>
+                <a:ea typeface="+mn-ea"/>
+                <a:cs typeface="+mn-cs"/>
+              </a:rPr>
+              <a:t>Variety</a:t>
+            </a:r>
+            <a:r>
+              <a:rPr lang="zh-CHT" altLang="zh-CHT" sz="1200" b="1" kern="1200" dirty="0" smtClean="0">
+                <a:solidFill>
+                  <a:schemeClr val="tx1"/>
+                </a:solidFill>
+                <a:effectLst/>
+                <a:latin typeface="+mn-lt"/>
+                <a:ea typeface="+mn-ea"/>
+                <a:cs typeface="+mn-cs"/>
+              </a:rPr>
+              <a:t>（多樣性）：</a:t>
+            </a:r>
+            <a:r>
+              <a:rPr lang="zh-CHT" altLang="zh-CHT" sz="1200" kern="1200" dirty="0" smtClean="0">
+                <a:solidFill>
+                  <a:schemeClr val="tx1"/>
+                </a:solidFill>
+                <a:effectLst/>
+                <a:latin typeface="+mn-lt"/>
+                <a:ea typeface="+mn-ea"/>
+                <a:cs typeface="+mn-cs"/>
+              </a:rPr>
+              <a:t>意指資料的內容與結構有的豐富的多樣性，除了結構化的數據資料，也存在著非結構化的圖像、聲音、影片及社群網站上的推文內容等。</a:t>
+            </a:r>
+          </a:p>
+          <a:p>
+            <a:pPr lvl="0"/>
+            <a:r>
+              <a:rPr lang="en-US" altLang="zh-CHT" sz="1200" b="1" kern="1200" dirty="0" smtClean="0">
+                <a:solidFill>
+                  <a:schemeClr val="tx1"/>
+                </a:solidFill>
+                <a:effectLst/>
+                <a:latin typeface="+mn-lt"/>
+                <a:ea typeface="+mn-ea"/>
+                <a:cs typeface="+mn-cs"/>
+              </a:rPr>
+              <a:t>Veracity</a:t>
+            </a:r>
+            <a:r>
+              <a:rPr lang="zh-CHT" altLang="zh-CHT" sz="1200" b="1" kern="1200" dirty="0" smtClean="0">
+                <a:solidFill>
+                  <a:schemeClr val="tx1"/>
+                </a:solidFill>
+                <a:effectLst/>
+                <a:latin typeface="+mn-lt"/>
+                <a:ea typeface="+mn-ea"/>
+                <a:cs typeface="+mn-cs"/>
+              </a:rPr>
+              <a:t>（真實性）：</a:t>
+            </a:r>
+            <a:r>
+              <a:rPr lang="zh-CHT" altLang="zh-CHT" sz="1200" kern="1200" dirty="0" smtClean="0">
+                <a:solidFill>
+                  <a:schemeClr val="tx1"/>
+                </a:solidFill>
+                <a:effectLst/>
+                <a:latin typeface="+mn-lt"/>
+                <a:ea typeface="+mn-ea"/>
+                <a:cs typeface="+mn-cs"/>
+              </a:rPr>
+              <a:t>意指資料本身可靠程度、可信程度，若資料本身的品質就已經存在問題，分析出來的結果必然會有問題。</a:t>
+            </a:r>
+          </a:p>
+          <a:p>
             <a:endParaRPr kumimoji="1" lang="zh-CHT" altLang="en-US" dirty="0"/>
           </a:p>
         </p:txBody>
@@ -1137,7 +1736,7 @@
           <a:p>
             <a:fld id="{B1668B93-D488-954B-9A69-22144033C044}" type="slidenum">
               <a:rPr kumimoji="1" lang="zh-CHT" altLang="en-US" smtClean="0"/>
-              <a:t>18</a:t>
+              <a:t>8</a:t>
             </a:fld>
             <a:endParaRPr kumimoji="1" lang="zh-CHT" altLang="en-US"/>
           </a:p>
@@ -1146,7 +1745,7 @@
     </p:spTree>
     <p:extLst>
       <p:ext uri="{BB962C8B-B14F-4D97-AF65-F5344CB8AC3E}">
-        <p14:creationId xmlns:p14="http://schemas.microsoft.com/office/powerpoint/2010/main" val="822500760"/>
+        <p14:creationId xmlns:p14="http://schemas.microsoft.com/office/powerpoint/2010/main" val="1881346364"/>
       </p:ext>
     </p:extLst>
   </p:cSld>
@@ -1200,6 +1799,94 @@
           <a:bodyPr/>
           <a:lstStyle/>
           <a:p>
+            <a:r>
+              <a:rPr kumimoji="1" lang="zh-CHT" altLang="en-US" dirty="0" smtClean="0"/>
+              <a:t>將每個階段縮圖放置於接下來的頁面</a:t>
+            </a:r>
+            <a:endParaRPr kumimoji="1" lang="zh-CHT" altLang="en-US" dirty="0"/>
+          </a:p>
+        </p:txBody>
+      </p:sp>
+      <p:sp>
+        <p:nvSpPr>
+          <p:cNvPr id="4" name="投影片編號版面配置區 3"/>
+          <p:cNvSpPr>
+            <a:spLocks noGrp="1"/>
+          </p:cNvSpPr>
+          <p:nvPr>
+            <p:ph type="sldNum" sz="quarter" idx="10"/>
+          </p:nvPr>
+        </p:nvSpPr>
+        <p:spPr/>
+        <p:txBody>
+          <a:bodyPr/>
+          <a:lstStyle/>
+          <a:p>
+            <a:fld id="{B1668B93-D488-954B-9A69-22144033C044}" type="slidenum">
+              <a:rPr kumimoji="1" lang="zh-CHT" altLang="en-US" smtClean="0"/>
+              <a:t>18</a:t>
+            </a:fld>
+            <a:endParaRPr kumimoji="1" lang="zh-CHT" altLang="en-US"/>
+          </a:p>
+        </p:txBody>
+      </p:sp>
+    </p:spTree>
+    <p:extLst>
+      <p:ext uri="{BB962C8B-B14F-4D97-AF65-F5344CB8AC3E}">
+        <p14:creationId xmlns:p14="http://schemas.microsoft.com/office/powerpoint/2010/main" val="822500760"/>
+      </p:ext>
+    </p:extLst>
+  </p:cSld>
+  <p:clrMapOvr>
+    <a:masterClrMapping/>
+  </p:clrMapOvr>
+</p:notes>
+</file>
+
+<file path=ppt/notesSlides/notesSlide8.xml><?xml version="1.0" encoding="utf-8"?>
+<p:notes xmlns:a="http://schemas.openxmlformats.org/drawingml/2006/main" xmlns:r="http://schemas.openxmlformats.org/officeDocument/2006/relationships" xmlns:p="http://schemas.openxmlformats.org/presentationml/2006/main">
+  <p:cSld>
+    <p:spTree>
+      <p:nvGrpSpPr>
+        <p:cNvPr id="1" name=""/>
+        <p:cNvGrpSpPr/>
+        <p:nvPr/>
+      </p:nvGrpSpPr>
+      <p:grpSpPr>
+        <a:xfrm>
+          <a:off x="0" y="0"/>
+          <a:ext cx="0" cy="0"/>
+          <a:chOff x="0" y="0"/>
+          <a:chExt cx="0" cy="0"/>
+        </a:xfrm>
+      </p:grpSpPr>
+      <p:sp>
+        <p:nvSpPr>
+          <p:cNvPr id="2" name="投影片影像版面配置區 1"/>
+          <p:cNvSpPr>
+            <a:spLocks noGrp="1" noRot="1" noChangeAspect="1"/>
+          </p:cNvSpPr>
+          <p:nvPr>
+            <p:ph type="sldImg"/>
+          </p:nvPr>
+        </p:nvSpPr>
+        <p:spPr/>
+      </p:sp>
+      <p:sp>
+        <p:nvSpPr>
+          <p:cNvPr id="3" name="備忘稿版面配置區 2"/>
+          <p:cNvSpPr>
+            <a:spLocks noGrp="1"/>
+          </p:cNvSpPr>
+          <p:nvPr>
+            <p:ph type="body" idx="1"/>
+          </p:nvPr>
+        </p:nvSpPr>
+        <p:spPr/>
+        <p:txBody>
+          <a:bodyPr/>
+          <a:lstStyle/>
+          <a:p>
             <a:endParaRPr kumimoji="1" lang="zh-CHT" altLang="en-US" dirty="0"/>
           </a:p>
         </p:txBody>
@@ -1240,7 +1927,7 @@
 </p:notes>
 </file>
 
-<file path=ppt/notesSlides/notesSlide8.xml><?xml version="1.0" encoding="utf-8"?>
+<file path=ppt/notesSlides/notesSlide9.xml><?xml version="1.0" encoding="utf-8"?>
 <p:notes xmlns:a="http://schemas.openxmlformats.org/drawingml/2006/main" xmlns:r="http://schemas.openxmlformats.org/officeDocument/2006/relationships" xmlns:p="http://schemas.openxmlformats.org/presentationml/2006/main">
   <p:cSld>
     <p:spTree>
@@ -4763,7 +5450,71 @@
                 <a:ea typeface="微軟正黑體" charset="0"/>
                 <a:cs typeface="微軟正黑體" charset="0"/>
               </a:rPr>
-              <a:t>播放次數加進他的演算法外，也加入了其他主流串流媒體上大量的數據，進而改善了他的排行榜。</a:t>
+              <a:t>播放次數加進他的演算法</a:t>
+            </a:r>
+            <a:r>
+              <a:rPr lang="zh-CHT" altLang="zh-CHT" dirty="0" smtClean="0">
+                <a:latin typeface="微軟正黑體" charset="0"/>
+                <a:ea typeface="微軟正黑體" charset="0"/>
+                <a:cs typeface="微軟正黑體" charset="0"/>
+              </a:rPr>
+              <a:t>外</a:t>
+            </a:r>
+            <a:r>
+              <a:rPr lang="zh-CHT" altLang="en-US" dirty="0" smtClean="0">
+                <a:latin typeface="微軟正黑體" charset="0"/>
+                <a:ea typeface="微軟正黑體" charset="0"/>
+                <a:cs typeface="微軟正黑體" charset="0"/>
+              </a:rPr>
+              <a:t>，</a:t>
+            </a:r>
+            <a:r>
+              <a:rPr lang="zh-CHT" altLang="zh-CHT" dirty="0" smtClean="0">
+                <a:latin typeface="微軟正黑體" charset="0"/>
+                <a:ea typeface="微軟正黑體" charset="0"/>
+                <a:cs typeface="微軟正黑體" charset="0"/>
+              </a:rPr>
+              <a:t>也</a:t>
+            </a:r>
+            <a:r>
+              <a:rPr lang="zh-CHT" altLang="zh-CHT" dirty="0">
+                <a:latin typeface="微軟正黑體" charset="0"/>
+                <a:ea typeface="微軟正黑體" charset="0"/>
+                <a:cs typeface="微軟正黑體" charset="0"/>
+              </a:rPr>
+              <a:t>加入了其他主流串流媒體上大量的</a:t>
+            </a:r>
+            <a:r>
+              <a:rPr lang="zh-CHT" altLang="zh-CHT" dirty="0" smtClean="0">
+                <a:latin typeface="微軟正黑體" charset="0"/>
+                <a:ea typeface="微軟正黑體" charset="0"/>
+                <a:cs typeface="微軟正黑體" charset="0"/>
+              </a:rPr>
+              <a:t>數據</a:t>
+            </a:r>
+            <a:r>
+              <a:rPr lang="zh-CHT" altLang="en-US" dirty="0" smtClean="0">
+                <a:latin typeface="微軟正黑體" charset="0"/>
+                <a:ea typeface="微軟正黑體" charset="0"/>
+                <a:cs typeface="微軟正黑體" charset="0"/>
+              </a:rPr>
+              <a:t>，</a:t>
+            </a:r>
+            <a:r>
+              <a:rPr lang="zh-CHT" altLang="zh-CHT" dirty="0" smtClean="0">
+                <a:latin typeface="微軟正黑體" charset="0"/>
+                <a:ea typeface="微軟正黑體" charset="0"/>
+                <a:cs typeface="微軟正黑體" charset="0"/>
+              </a:rPr>
+              <a:t>進而</a:t>
+            </a:r>
+            <a:r>
+              <a:rPr lang="zh-CHT" altLang="zh-CHT" dirty="0">
+                <a:latin typeface="微軟正黑體" charset="0"/>
+                <a:ea typeface="微軟正黑體" charset="0"/>
+                <a:cs typeface="微軟正黑體" charset="0"/>
+              </a:rPr>
+              <a:t>改善了他的排行榜。</a:t>
             </a:r>
             <a:endParaRPr lang="zh-CHT" altLang="en-US" dirty="0">
               <a:latin typeface="微軟正黑體" charset="0"/>
@@ -4783,7 +5534,39 @@
                 <a:ea typeface="微軟正黑體" charset="0"/>
                 <a:cs typeface="微軟正黑體" charset="0"/>
               </a:rPr>
-              <a:t>聽眾開始掌握這個決定權，音樂產業則必須開始重視並且應用這些社群間分享的大數據 。</a:t>
+              <a:t>聽眾開始掌握這個</a:t>
+            </a:r>
+            <a:r>
+              <a:rPr lang="zh-CHT" altLang="zh-CHT" dirty="0" smtClean="0">
+                <a:latin typeface="微軟正黑體" charset="0"/>
+                <a:ea typeface="微軟正黑體" charset="0"/>
+                <a:cs typeface="微軟正黑體" charset="0"/>
+              </a:rPr>
+              <a:t>決定權</a:t>
+            </a:r>
+            <a:r>
+              <a:rPr lang="zh-CHT" altLang="en-US" dirty="0" smtClean="0">
+                <a:latin typeface="微軟正黑體" charset="0"/>
+                <a:ea typeface="微軟正黑體" charset="0"/>
+                <a:cs typeface="微軟正黑體" charset="0"/>
+              </a:rPr>
+              <a:t>，</a:t>
+            </a:r>
+            <a:r>
+              <a:rPr lang="zh-CHT" altLang="zh-CHT" dirty="0" smtClean="0">
+                <a:latin typeface="微軟正黑體" charset="0"/>
+                <a:ea typeface="微軟正黑體" charset="0"/>
+                <a:cs typeface="微軟正黑體" charset="0"/>
+              </a:rPr>
+              <a:t>音樂</a:t>
+            </a:r>
+            <a:r>
+              <a:rPr lang="zh-CHT" altLang="zh-CHT" dirty="0">
+                <a:latin typeface="微軟正黑體" charset="0"/>
+                <a:ea typeface="微軟正黑體" charset="0"/>
+                <a:cs typeface="微軟正黑體" charset="0"/>
+              </a:rPr>
+              <a:t>產業則必須開始重視並且應用這些社群間分享的大數據 。</a:t>
             </a:r>
             <a:endParaRPr lang="zh-CHT" altLang="zh-CHT" dirty="0">
               <a:latin typeface="微軟正黑體" charset="0"/>
@@ -5539,7 +6322,23 @@
                 <a:ea typeface="微軟正黑體" charset="0"/>
                 <a:cs typeface="微軟正黑體" charset="0"/>
               </a:rPr>
-              <a:t>其聽眾，如來自哪裡、聽什麼、收聽的習慣。</a:t>
+              <a:t>其</a:t>
+            </a:r>
+            <a:r>
+              <a:rPr lang="zh-CHT" altLang="en-US" dirty="0" smtClean="0">
+                <a:latin typeface="微軟正黑體" charset="0"/>
+                <a:ea typeface="微軟正黑體" charset="0"/>
+                <a:cs typeface="微軟正黑體" charset="0"/>
+              </a:rPr>
+              <a:t>聽眾，如</a:t>
+            </a:r>
+            <a:r>
+              <a:rPr lang="zh-CHT" altLang="en-US" dirty="0">
+                <a:latin typeface="微軟正黑體" charset="0"/>
+                <a:ea typeface="微軟正黑體" charset="0"/>
+                <a:cs typeface="微軟正黑體" charset="0"/>
+              </a:rPr>
+              <a:t>來自哪裡、聽什麼、收聽的習慣。</a:t>
             </a:r>
             <a:endParaRPr lang="en-US" altLang="zh-CHT" dirty="0" smtClean="0">
               <a:latin typeface="微軟正黑體" charset="0"/>
@@ -6861,7 +7660,7 @@
               <a:t>Clustering analysis</a:t>
             </a:r>
             <a:r>
-              <a:rPr lang="zh-CHT" altLang="zh-CHT" dirty="0">
+              <a:rPr lang="zh-CHT" altLang="zh-CHT" dirty="0" smtClean="0">
                 <a:latin typeface="微軟正黑體" charset="0"/>
                 <a:ea typeface="微軟正黑體" charset="0"/>
                 <a:cs typeface="微軟正黑體" charset="0"/>
@@ -6869,7 +7668,7 @@
               <a:t>）</a:t>
             </a:r>
             <a:r>
-              <a:rPr lang="zh-CHT" altLang="zh-CHT" dirty="0" smtClean="0">
+              <a:rPr lang="zh-CHT" altLang="en-US" dirty="0" smtClean="0">
                 <a:latin typeface="微軟正黑體" charset="0"/>
                 <a:ea typeface="微軟正黑體" charset="0"/>
                 <a:cs typeface="微軟正黑體" charset="0"/>
@@ -7243,7 +8042,39 @@
                 <a:ea typeface="微軟正黑體" charset="0"/>
                 <a:cs typeface="微軟正黑體" charset="0"/>
               </a:rPr>
-              <a:t>蒐集熱門音樂曲目，本研究將藉由蒐集目前台灣具指標性的線上音樂串流平台</a:t>
+              <a:t>蒐集熱門音樂</a:t>
+            </a:r>
+            <a:r>
+              <a:rPr lang="zh-CHT" altLang="zh-CHT" dirty="0" smtClean="0">
+                <a:latin typeface="微軟正黑體" charset="0"/>
+                <a:ea typeface="微軟正黑體" charset="0"/>
+                <a:cs typeface="微軟正黑體" charset="0"/>
+              </a:rPr>
+              <a:t>曲目</a:t>
+            </a:r>
+            <a:r>
+              <a:rPr lang="zh-CHT" altLang="en-US" dirty="0" smtClean="0">
+                <a:latin typeface="微軟正黑體" charset="0"/>
+                <a:ea typeface="微軟正黑體" charset="0"/>
+                <a:cs typeface="微軟正黑體" charset="0"/>
+              </a:rPr>
+              <a:t>，</a:t>
+            </a:r>
+            <a:r>
+              <a:rPr lang="zh-CHT" altLang="zh-CHT" dirty="0" smtClean="0">
+                <a:latin typeface="微軟正黑體" charset="0"/>
+                <a:ea typeface="微軟正黑體" charset="0"/>
+                <a:cs typeface="微軟正黑體" charset="0"/>
+              </a:rPr>
+              <a:t>本</a:t>
+            </a:r>
+            <a:r>
+              <a:rPr lang="zh-CHT" altLang="zh-CHT" dirty="0">
+                <a:latin typeface="微軟正黑體" charset="0"/>
+                <a:ea typeface="微軟正黑體" charset="0"/>
+                <a:cs typeface="微軟正黑體" charset="0"/>
+              </a:rPr>
+              <a:t>研究將藉由蒐集目前台灣具指標性的線上音樂串流平台</a:t>
             </a:r>
             <a:r>
               <a:rPr lang="en-US" altLang="zh-CHT" dirty="0">
@@ -7295,7 +8126,7 @@
                 <a:ea typeface="微軟正黑體" charset="0"/>
                 <a:cs typeface="微軟正黑體" charset="0"/>
               </a:rPr>
-              <a:t>所提供之音樂熱門排行榜資料</a:t>
+              <a:t>所提供之音樂熱門排行榜</a:t>
             </a:r>
             <a:r>
               <a:rPr lang="zh-CHT" altLang="zh-CHT" dirty="0" smtClean="0">
@@ -7303,7 +8134,23 @@
                 <a:ea typeface="微軟正黑體" charset="0"/>
                 <a:cs typeface="微軟正黑體" charset="0"/>
               </a:rPr>
-              <a:t>，於</a:t>
+              <a:t>資料</a:t>
+            </a:r>
+            <a:r>
+              <a:rPr lang="zh-CHT" altLang="en-US" dirty="0" smtClean="0">
+                <a:latin typeface="微軟正黑體" charset="0"/>
+                <a:ea typeface="微軟正黑體" charset="0"/>
+                <a:cs typeface="微軟正黑體" charset="0"/>
+              </a:rPr>
+              <a:t>，</a:t>
+            </a:r>
+            <a:r>
+              <a:rPr lang="zh-CHT" altLang="zh-CHT" dirty="0" smtClean="0">
+                <a:latin typeface="微軟正黑體" charset="0"/>
+                <a:ea typeface="微軟正黑體" charset="0"/>
+                <a:cs typeface="微軟正黑體" charset="0"/>
+              </a:rPr>
+              <a:t>於</a:t>
             </a:r>
             <a:r>
               <a:rPr lang="zh-CHT" altLang="zh-CHT" dirty="0">
@@ -7311,7 +8158,135 @@
                 <a:ea typeface="微軟正黑體" charset="0"/>
                 <a:cs typeface="微軟正黑體" charset="0"/>
               </a:rPr>
-              <a:t>每日統計正式會員播放的資訊，並進行統計分析，排名出每日的熱門音樂排行榜，其排行榜名次無法藉由買賣、關說及個人意見影響與干涉，可確保其公正性</a:t>
+              <a:t>每日統計正式會員播放的</a:t>
+            </a:r>
+            <a:r>
+              <a:rPr lang="zh-CHT" altLang="zh-CHT" dirty="0" smtClean="0">
+                <a:latin typeface="微軟正黑體" charset="0"/>
+                <a:ea typeface="微軟正黑體" charset="0"/>
+                <a:cs typeface="微軟正黑體" charset="0"/>
+              </a:rPr>
+              <a:t>資訊</a:t>
+            </a:r>
+            <a:r>
+              <a:rPr lang="zh-CHT" altLang="en-US" dirty="0" smtClean="0">
+                <a:latin typeface="微軟正黑體" charset="0"/>
+                <a:ea typeface="微軟正黑體" charset="0"/>
+                <a:cs typeface="微軟正黑體" charset="0"/>
+              </a:rPr>
+              <a:t>，</a:t>
+            </a:r>
+            <a:r>
+              <a:rPr lang="zh-CHT" altLang="zh-CHT" dirty="0" smtClean="0">
+                <a:latin typeface="微軟正黑體" charset="0"/>
+                <a:ea typeface="微軟正黑體" charset="0"/>
+                <a:cs typeface="微軟正黑體" charset="0"/>
+              </a:rPr>
+              <a:t>並</a:t>
+            </a:r>
+            <a:r>
+              <a:rPr lang="zh-CHT" altLang="zh-CHT" dirty="0">
+                <a:latin typeface="微軟正黑體" charset="0"/>
+                <a:ea typeface="微軟正黑體" charset="0"/>
+                <a:cs typeface="微軟正黑體" charset="0"/>
+              </a:rPr>
+              <a:t>進行統計</a:t>
+            </a:r>
+            <a:r>
+              <a:rPr lang="zh-CHT" altLang="zh-CHT" dirty="0" smtClean="0">
+                <a:latin typeface="微軟正黑體" charset="0"/>
+                <a:ea typeface="微軟正黑體" charset="0"/>
+                <a:cs typeface="微軟正黑體" charset="0"/>
+              </a:rPr>
+              <a:t>分析</a:t>
+            </a:r>
+            <a:r>
+              <a:rPr lang="zh-CHT" altLang="en-US" dirty="0" smtClean="0">
+                <a:latin typeface="微軟正黑體" charset="0"/>
+                <a:ea typeface="微軟正黑體" charset="0"/>
+                <a:cs typeface="微軟正黑體" charset="0"/>
+              </a:rPr>
+              <a:t>，</a:t>
+            </a:r>
+            <a:r>
+              <a:rPr lang="zh-CHT" altLang="zh-CHT" dirty="0" smtClean="0">
+                <a:latin typeface="微軟正黑體" charset="0"/>
+                <a:ea typeface="微軟正黑體" charset="0"/>
+                <a:cs typeface="微軟正黑體" charset="0"/>
+              </a:rPr>
+              <a:t>排名出</a:t>
+            </a:r>
+            <a:r>
+              <a:rPr lang="zh-CHT" altLang="zh-CHT" dirty="0">
+                <a:latin typeface="微軟正黑體" charset="0"/>
+                <a:ea typeface="微軟正黑體" charset="0"/>
+                <a:cs typeface="微軟正黑體" charset="0"/>
+              </a:rPr>
+              <a:t>每日的熱門音樂</a:t>
+            </a:r>
+            <a:r>
+              <a:rPr lang="zh-CHT" altLang="zh-CHT" dirty="0" smtClean="0">
+                <a:latin typeface="微軟正黑體" charset="0"/>
+                <a:ea typeface="微軟正黑體" charset="0"/>
+                <a:cs typeface="微軟正黑體" charset="0"/>
+              </a:rPr>
+              <a:t>排行榜</a:t>
+            </a:r>
+            <a:r>
+              <a:rPr lang="zh-CHT" altLang="en-US" dirty="0" smtClean="0">
+                <a:latin typeface="微軟正黑體" charset="0"/>
+                <a:ea typeface="微軟正黑體" charset="0"/>
+                <a:cs typeface="微軟正黑體" charset="0"/>
+              </a:rPr>
+              <a:t>，</a:t>
+            </a:r>
+            <a:r>
+              <a:rPr lang="zh-CHT" altLang="zh-CHT" dirty="0" smtClean="0">
+                <a:latin typeface="微軟正黑體" charset="0"/>
+                <a:ea typeface="微軟正黑體" charset="0"/>
+                <a:cs typeface="微軟正黑體" charset="0"/>
+              </a:rPr>
+              <a:t>其</a:t>
+            </a:r>
+            <a:r>
+              <a:rPr lang="zh-CHT" altLang="zh-CHT" dirty="0">
+                <a:latin typeface="微軟正黑體" charset="0"/>
+                <a:ea typeface="微軟正黑體" charset="0"/>
+                <a:cs typeface="微軟正黑體" charset="0"/>
+              </a:rPr>
+              <a:t>排行榜名次無法藉由買賣、關說及個人意見影響與</a:t>
+            </a:r>
+            <a:r>
+              <a:rPr lang="zh-CHT" altLang="zh-CHT" dirty="0" smtClean="0">
+                <a:latin typeface="微軟正黑體" charset="0"/>
+                <a:ea typeface="微軟正黑體" charset="0"/>
+                <a:cs typeface="微軟正黑體" charset="0"/>
+              </a:rPr>
+              <a:t>干涉</a:t>
+            </a:r>
+            <a:r>
+              <a:rPr lang="zh-CHT" altLang="en-US" dirty="0" smtClean="0">
+                <a:latin typeface="微軟正黑體" charset="0"/>
+                <a:ea typeface="微軟正黑體" charset="0"/>
+                <a:cs typeface="微軟正黑體" charset="0"/>
+              </a:rPr>
+              <a:t>，</a:t>
+            </a:r>
+            <a:r>
+              <a:rPr lang="zh-CHT" altLang="zh-CHT" dirty="0" smtClean="0">
+                <a:latin typeface="微軟正黑體" charset="0"/>
+                <a:ea typeface="微軟正黑體" charset="0"/>
+                <a:cs typeface="微軟正黑體" charset="0"/>
+              </a:rPr>
+              <a:t>可</a:t>
+            </a:r>
+            <a:r>
+              <a:rPr lang="zh-CHT" altLang="zh-CHT" dirty="0">
+                <a:latin typeface="微軟正黑體" charset="0"/>
+                <a:ea typeface="微軟正黑體" charset="0"/>
+                <a:cs typeface="微軟正黑體" charset="0"/>
+              </a:rPr>
+              <a:t>確保其公正性</a:t>
             </a:r>
             <a:r>
               <a:rPr lang="zh-CHT" altLang="zh-CHT" dirty="0" smtClean="0">
@@ -7694,7 +8669,135 @@
                 <a:ea typeface="微軟正黑體" charset="0"/>
                 <a:cs typeface="微軟正黑體" charset="0"/>
               </a:rPr>
-              <a:t>為萃取出熱門華語流行歌曲，本研究將從探索取得之過去數年華語排行榜中數千首歌曲資料，進行統整並篩選探索的動作，將聽眾真正喜歡之台灣華語流行音樂熱門歌曲，以利後續處理與分析</a:t>
+              <a:t>為萃取出熱門華語流行</a:t>
+            </a:r>
+            <a:r>
+              <a:rPr lang="zh-CHT" altLang="zh-CHT" dirty="0" smtClean="0">
+                <a:latin typeface="微軟正黑體" charset="0"/>
+                <a:ea typeface="微軟正黑體" charset="0"/>
+                <a:cs typeface="微軟正黑體" charset="0"/>
+              </a:rPr>
+              <a:t>歌曲</a:t>
+            </a:r>
+            <a:r>
+              <a:rPr lang="zh-CHT" altLang="en-US" dirty="0" smtClean="0">
+                <a:latin typeface="微軟正黑體" charset="0"/>
+                <a:ea typeface="微軟正黑體" charset="0"/>
+                <a:cs typeface="微軟正黑體" charset="0"/>
+              </a:rPr>
+              <a:t>，</a:t>
+            </a:r>
+            <a:r>
+              <a:rPr lang="zh-CHT" altLang="zh-CHT" dirty="0" smtClean="0">
+                <a:latin typeface="微軟正黑體" charset="0"/>
+                <a:ea typeface="微軟正黑體" charset="0"/>
+                <a:cs typeface="微軟正黑體" charset="0"/>
+              </a:rPr>
+              <a:t>本</a:t>
+            </a:r>
+            <a:r>
+              <a:rPr lang="zh-CHT" altLang="zh-CHT" dirty="0">
+                <a:latin typeface="微軟正黑體" charset="0"/>
+                <a:ea typeface="微軟正黑體" charset="0"/>
+                <a:cs typeface="微軟正黑體" charset="0"/>
+              </a:rPr>
+              <a:t>研究將從探索取得之過去數年華語排行榜中數千首歌曲</a:t>
+            </a:r>
+            <a:r>
+              <a:rPr lang="zh-CHT" altLang="zh-CHT" dirty="0" smtClean="0">
+                <a:latin typeface="微軟正黑體" charset="0"/>
+                <a:ea typeface="微軟正黑體" charset="0"/>
+                <a:cs typeface="微軟正黑體" charset="0"/>
+              </a:rPr>
+              <a:t>資料</a:t>
+            </a:r>
+            <a:r>
+              <a:rPr lang="zh-CHT" altLang="en-US" dirty="0" smtClean="0">
+                <a:latin typeface="微軟正黑體" charset="0"/>
+                <a:ea typeface="微軟正黑體" charset="0"/>
+                <a:cs typeface="微軟正黑體" charset="0"/>
+              </a:rPr>
+              <a:t>，</a:t>
+            </a:r>
+            <a:r>
+              <a:rPr lang="zh-CHT" altLang="zh-CHT" dirty="0" smtClean="0">
+                <a:latin typeface="微軟正黑體" charset="0"/>
+                <a:ea typeface="微軟正黑體" charset="0"/>
+                <a:cs typeface="微軟正黑體" charset="0"/>
+              </a:rPr>
+              <a:t>進行</a:t>
+            </a:r>
+            <a:r>
+              <a:rPr lang="zh-CHT" altLang="zh-CHT" dirty="0">
+                <a:latin typeface="微軟正黑體" charset="0"/>
+                <a:ea typeface="微軟正黑體" charset="0"/>
+                <a:cs typeface="微軟正黑體" charset="0"/>
+              </a:rPr>
+              <a:t>統整並篩選探索的</a:t>
+            </a:r>
+            <a:r>
+              <a:rPr lang="zh-CHT" altLang="zh-CHT" dirty="0" smtClean="0">
+                <a:latin typeface="微軟正黑體" charset="0"/>
+                <a:ea typeface="微軟正黑體" charset="0"/>
+                <a:cs typeface="微軟正黑體" charset="0"/>
+              </a:rPr>
+              <a:t>動作</a:t>
+            </a:r>
+            <a:r>
+              <a:rPr lang="zh-CHT" altLang="en-US" dirty="0" smtClean="0">
+                <a:latin typeface="微軟正黑體" charset="0"/>
+                <a:ea typeface="微軟正黑體" charset="0"/>
+                <a:cs typeface="微軟正黑體" charset="0"/>
+              </a:rPr>
+              <a:t>，</a:t>
+            </a:r>
+            <a:r>
+              <a:rPr lang="zh-CHT" altLang="zh-CHT" dirty="0" smtClean="0">
+                <a:latin typeface="微軟正黑體" charset="0"/>
+                <a:ea typeface="微軟正黑體" charset="0"/>
+                <a:cs typeface="微軟正黑體" charset="0"/>
+              </a:rPr>
+              <a:t>將</a:t>
+            </a:r>
+            <a:r>
+              <a:rPr lang="zh-CHT" altLang="zh-CHT" dirty="0">
+                <a:latin typeface="微軟正黑體" charset="0"/>
+                <a:ea typeface="微軟正黑體" charset="0"/>
+                <a:cs typeface="微軟正黑體" charset="0"/>
+              </a:rPr>
+              <a:t>聽眾真正喜歡之台灣華語流行音樂熱門</a:t>
+            </a:r>
+            <a:r>
+              <a:rPr lang="zh-CHT" altLang="zh-CHT" dirty="0" smtClean="0">
+                <a:latin typeface="微軟正黑體" charset="0"/>
+                <a:ea typeface="微軟正黑體" charset="0"/>
+                <a:cs typeface="微軟正黑體" charset="0"/>
+              </a:rPr>
+              <a:t>歌曲</a:t>
+            </a:r>
+            <a:r>
+              <a:rPr lang="zh-CHT" altLang="en-US" dirty="0" smtClean="0">
+                <a:latin typeface="微軟正黑體" charset="0"/>
+                <a:ea typeface="微軟正黑體" charset="0"/>
+                <a:cs typeface="微軟正黑體" charset="0"/>
+              </a:rPr>
+              <a:t>，</a:t>
+            </a:r>
+            <a:r>
+              <a:rPr lang="zh-CHT" altLang="zh-CHT" dirty="0" smtClean="0">
+                <a:latin typeface="微軟正黑體" charset="0"/>
+                <a:ea typeface="微軟正黑體" charset="0"/>
+                <a:cs typeface="微軟正黑體" charset="0"/>
+              </a:rPr>
+              <a:t>以利</a:t>
+            </a:r>
+            <a:r>
+              <a:rPr lang="zh-CHT" altLang="zh-CHT" dirty="0">
+                <a:latin typeface="微軟正黑體" charset="0"/>
+                <a:ea typeface="微軟正黑體" charset="0"/>
+                <a:cs typeface="微軟正黑體" charset="0"/>
+              </a:rPr>
+              <a:t>後續處理與分析</a:t>
             </a:r>
             <a:r>
               <a:rPr lang="zh-CHT" altLang="zh-CHT" dirty="0" smtClean="0">
@@ -7871,7 +8974,71 @@
                 <a:ea typeface="微軟正黑體" charset="0"/>
                 <a:cs typeface="微軟正黑體" charset="0"/>
               </a:rPr>
-              <a:t>由於電腦分析軟體無法直接利用非結構化之音樂進行群集分析，必須將音樂進行資料的轉換，以利找出聽眾喜好之結構</a:t>
+              <a:t>由於電腦分析軟體無法直接利用非結構化之音樂進行群集</a:t>
+            </a:r>
+            <a:r>
+              <a:rPr lang="zh-CHT" altLang="zh-CHT" dirty="0" smtClean="0">
+                <a:latin typeface="微軟正黑體" charset="0"/>
+                <a:ea typeface="微軟正黑體" charset="0"/>
+                <a:cs typeface="微軟正黑體" charset="0"/>
+              </a:rPr>
+              <a:t>分析</a:t>
+            </a:r>
+            <a:r>
+              <a:rPr lang="zh-CHT" altLang="en-US" dirty="0" smtClean="0">
+                <a:latin typeface="微軟正黑體" charset="0"/>
+                <a:ea typeface="微軟正黑體" charset="0"/>
+                <a:cs typeface="微軟正黑體" charset="0"/>
+              </a:rPr>
+              <a:t>，</a:t>
+            </a:r>
+            <a:r>
+              <a:rPr lang="zh-CHT" altLang="zh-CHT" dirty="0" smtClean="0">
+                <a:latin typeface="微軟正黑體" charset="0"/>
+                <a:ea typeface="微軟正黑體" charset="0"/>
+                <a:cs typeface="微軟正黑體" charset="0"/>
+              </a:rPr>
+              <a:t>必須</a:t>
+            </a:r>
+            <a:r>
+              <a:rPr lang="zh-CHT" altLang="zh-CHT" dirty="0">
+                <a:latin typeface="微軟正黑體" charset="0"/>
+                <a:ea typeface="微軟正黑體" charset="0"/>
+                <a:cs typeface="微軟正黑體" charset="0"/>
+              </a:rPr>
+              <a:t>將音樂進行資料的</a:t>
+            </a:r>
+            <a:r>
+              <a:rPr lang="zh-CHT" altLang="zh-CHT" dirty="0" smtClean="0">
+                <a:latin typeface="微軟正黑體" charset="0"/>
+                <a:ea typeface="微軟正黑體" charset="0"/>
+                <a:cs typeface="微軟正黑體" charset="0"/>
+              </a:rPr>
+              <a:t>轉換</a:t>
+            </a:r>
+            <a:r>
+              <a:rPr lang="zh-CHT" altLang="en-US" dirty="0" smtClean="0">
+                <a:latin typeface="微軟正黑體" charset="0"/>
+                <a:ea typeface="微軟正黑體" charset="0"/>
+                <a:cs typeface="微軟正黑體" charset="0"/>
+              </a:rPr>
+              <a:t>，</a:t>
+            </a:r>
+            <a:r>
+              <a:rPr lang="zh-CHT" altLang="zh-CHT" dirty="0" smtClean="0">
+                <a:latin typeface="微軟正黑體" charset="0"/>
+                <a:ea typeface="微軟正黑體" charset="0"/>
+                <a:cs typeface="微軟正黑體" charset="0"/>
+              </a:rPr>
+              <a:t>以利</a:t>
+            </a:r>
+            <a:r>
+              <a:rPr lang="zh-CHT" altLang="zh-CHT" dirty="0">
+                <a:latin typeface="微軟正黑體" charset="0"/>
+                <a:ea typeface="微軟正黑體" charset="0"/>
+                <a:cs typeface="微軟正黑體" charset="0"/>
+              </a:rPr>
+              <a:t>找出聽眾喜好之結構</a:t>
             </a:r>
             <a:r>
               <a:rPr lang="zh-CHT" altLang="zh-CHT" dirty="0" smtClean="0">
@@ -7915,7 +9082,71 @@
                 <a:ea typeface="微軟正黑體" charset="0"/>
                 <a:cs typeface="微軟正黑體" charset="0"/>
               </a:rPr>
-              <a:t>所提供之音樂和弦結構分析功能，將非結構化之音樂進行音樂和弦結構分析，轉換非結構化之音樂資料為可分析之結構化的和弦結構資料</a:t>
+              <a:t>所提供之音樂和弦結構分析</a:t>
+            </a:r>
+            <a:r>
+              <a:rPr lang="zh-CHT" altLang="zh-CHT" dirty="0" smtClean="0">
+                <a:latin typeface="微軟正黑體" charset="0"/>
+                <a:ea typeface="微軟正黑體" charset="0"/>
+                <a:cs typeface="微軟正黑體" charset="0"/>
+              </a:rPr>
+              <a:t>功能</a:t>
+            </a:r>
+            <a:r>
+              <a:rPr lang="zh-CHT" altLang="en-US" dirty="0" smtClean="0">
+                <a:latin typeface="微軟正黑體" charset="0"/>
+                <a:ea typeface="微軟正黑體" charset="0"/>
+                <a:cs typeface="微軟正黑體" charset="0"/>
+              </a:rPr>
+              <a:t>，</a:t>
+            </a:r>
+            <a:r>
+              <a:rPr lang="zh-CHT" altLang="zh-CHT" dirty="0" smtClean="0">
+                <a:latin typeface="微軟正黑體" charset="0"/>
+                <a:ea typeface="微軟正黑體" charset="0"/>
+                <a:cs typeface="微軟正黑體" charset="0"/>
+              </a:rPr>
+              <a:t>將</a:t>
+            </a:r>
+            <a:r>
+              <a:rPr lang="zh-CHT" altLang="zh-CHT" dirty="0">
+                <a:latin typeface="微軟正黑體" charset="0"/>
+                <a:ea typeface="微軟正黑體" charset="0"/>
+                <a:cs typeface="微軟正黑體" charset="0"/>
+              </a:rPr>
+              <a:t>非結構化之音樂進行音樂和弦結構</a:t>
+            </a:r>
+            <a:r>
+              <a:rPr lang="zh-CHT" altLang="zh-CHT" dirty="0" smtClean="0">
+                <a:latin typeface="微軟正黑體" charset="0"/>
+                <a:ea typeface="微軟正黑體" charset="0"/>
+                <a:cs typeface="微軟正黑體" charset="0"/>
+              </a:rPr>
+              <a:t>分析</a:t>
+            </a:r>
+            <a:r>
+              <a:rPr lang="zh-CHT" altLang="en-US" dirty="0" smtClean="0">
+                <a:latin typeface="微軟正黑體" charset="0"/>
+                <a:ea typeface="微軟正黑體" charset="0"/>
+                <a:cs typeface="微軟正黑體" charset="0"/>
+              </a:rPr>
+              <a:t>，</a:t>
+            </a:r>
+            <a:r>
+              <a:rPr lang="zh-CHT" altLang="zh-CHT" dirty="0" smtClean="0">
+                <a:latin typeface="微軟正黑體" charset="0"/>
+                <a:ea typeface="微軟正黑體" charset="0"/>
+                <a:cs typeface="微軟正黑體" charset="0"/>
+              </a:rPr>
+              <a:t>轉換</a:t>
+            </a:r>
+            <a:r>
+              <a:rPr lang="zh-CHT" altLang="zh-CHT" dirty="0">
+                <a:latin typeface="微軟正黑體" charset="0"/>
+                <a:ea typeface="微軟正黑體" charset="0"/>
+                <a:cs typeface="微軟正黑體" charset="0"/>
+              </a:rPr>
+              <a:t>非結構化之音樂資料為可分析之結構化的和弦結構資料</a:t>
             </a:r>
             <a:endParaRPr kumimoji="1" lang="zh-CHT" altLang="en-US" dirty="0">
               <a:latin typeface="微軟正黑體" charset="0"/>
@@ -8098,7 +9329,7 @@
                 <a:ea typeface="微軟正黑體" charset="0"/>
                 <a:cs typeface="微軟正黑體" charset="0"/>
               </a:rPr>
-              <a:t>資料，</a:t>
+              <a:t>資料</a:t>
             </a:r>
             <a:r>
               <a:rPr lang="zh-CHT" altLang="en-US" dirty="0" smtClean="0">
@@ -8106,6 +9337,14 @@
                 <a:ea typeface="微軟正黑體" charset="0"/>
                 <a:cs typeface="微軟正黑體" charset="0"/>
               </a:rPr>
+              <a:t>，</a:t>
+            </a:r>
+            <a:r>
+              <a:rPr lang="zh-CHT" altLang="en-US" dirty="0" smtClean="0">
+                <a:latin typeface="微軟正黑體" charset="0"/>
+                <a:ea typeface="微軟正黑體" charset="0"/>
+                <a:cs typeface="微軟正黑體" charset="0"/>
+              </a:rPr>
               <a:t>利用</a:t>
             </a:r>
             <a:r>
@@ -8130,7 +9369,23 @@
                 <a:ea typeface="微軟正黑體" charset="0"/>
                 <a:cs typeface="微軟正黑體" charset="0"/>
               </a:rPr>
-              <a:t>分群，了解</a:t>
+              <a:t>分群</a:t>
+            </a:r>
+            <a:r>
+              <a:rPr lang="zh-CHT" altLang="en-US" dirty="0" smtClean="0">
+                <a:latin typeface="微軟正黑體" charset="0"/>
+                <a:ea typeface="微軟正黑體" charset="0"/>
+                <a:cs typeface="微軟正黑體" charset="0"/>
+              </a:rPr>
+              <a:t>，</a:t>
+            </a:r>
+            <a:r>
+              <a:rPr lang="zh-CHT" altLang="zh-CHT" dirty="0" smtClean="0">
+                <a:latin typeface="微軟正黑體" charset="0"/>
+                <a:ea typeface="微軟正黑體" charset="0"/>
+                <a:cs typeface="微軟正黑體" charset="0"/>
+              </a:rPr>
+              <a:t>了解</a:t>
             </a:r>
             <a:r>
               <a:rPr lang="zh-CHT" altLang="zh-CHT" dirty="0">
@@ -8138,7 +9393,39 @@
                 <a:ea typeface="微軟正黑體" charset="0"/>
                 <a:cs typeface="微軟正黑體" charset="0"/>
               </a:rPr>
-              <a:t>各群集背後可能代表的涵意，進而了解聽眾收聽台灣華語流行音樂之</a:t>
+              <a:t>各群集背後可能代表的</a:t>
+            </a:r>
+            <a:r>
+              <a:rPr lang="zh-CHT" altLang="zh-CHT" dirty="0" smtClean="0">
+                <a:latin typeface="微軟正黑體" charset="0"/>
+                <a:ea typeface="微軟正黑體" charset="0"/>
+                <a:cs typeface="微軟正黑體" charset="0"/>
+              </a:rPr>
+              <a:t>涵意</a:t>
+            </a:r>
+            <a:r>
+              <a:rPr lang="zh-CHT" altLang="en-US" dirty="0" smtClean="0">
+                <a:latin typeface="微軟正黑體" charset="0"/>
+                <a:ea typeface="微軟正黑體" charset="0"/>
+                <a:cs typeface="微軟正黑體" charset="0"/>
+              </a:rPr>
+              <a:t>，</a:t>
+            </a:r>
+            <a:r>
+              <a:rPr lang="zh-CHT" altLang="zh-CHT" dirty="0" smtClean="0">
+                <a:latin typeface="微軟正黑體" charset="0"/>
+                <a:ea typeface="微軟正黑體" charset="0"/>
+                <a:cs typeface="微軟正黑體" charset="0"/>
+              </a:rPr>
+              <a:t>進而</a:t>
+            </a:r>
+            <a:r>
+              <a:rPr lang="zh-CHT" altLang="zh-CHT" dirty="0">
+                <a:latin typeface="微軟正黑體" charset="0"/>
+                <a:ea typeface="微軟正黑體" charset="0"/>
+                <a:cs typeface="微軟正黑體" charset="0"/>
+              </a:rPr>
+              <a:t>了解聽眾收聽台灣華語流行音樂之</a:t>
             </a:r>
             <a:r>
               <a:rPr lang="zh-CHT" altLang="zh-CHT" dirty="0" smtClean="0">
@@ -8166,7 +9453,71 @@
                 <a:ea typeface="微軟正黑體" charset="0"/>
                 <a:cs typeface="微軟正黑體" charset="0"/>
               </a:rPr>
-              <a:t>並且在每次排行榜公佈時加入新的音樂資訊，進行機器學習，以增加群集分析分群的準確度</a:t>
+              <a:t>並且在每次排行榜公佈時加入新的音樂</a:t>
+            </a:r>
+            <a:r>
+              <a:rPr lang="zh-CHT" altLang="zh-CHT" dirty="0" smtClean="0">
+                <a:latin typeface="微軟正黑體" charset="0"/>
+                <a:ea typeface="微軟正黑體" charset="0"/>
+                <a:cs typeface="微軟正黑體" charset="0"/>
+              </a:rPr>
+              <a:t>資訊</a:t>
+            </a:r>
+            <a:r>
+              <a:rPr lang="zh-CHT" altLang="en-US" dirty="0" smtClean="0">
+                <a:latin typeface="微軟正黑體" charset="0"/>
+                <a:ea typeface="微軟正黑體" charset="0"/>
+                <a:cs typeface="微軟正黑體" charset="0"/>
+              </a:rPr>
+              <a:t>，</a:t>
+            </a:r>
+            <a:r>
+              <a:rPr lang="zh-CHT" altLang="zh-CHT" dirty="0" smtClean="0">
+                <a:latin typeface="微軟正黑體" charset="0"/>
+                <a:ea typeface="微軟正黑體" charset="0"/>
+                <a:cs typeface="微軟正黑體" charset="0"/>
+              </a:rPr>
+              <a:t>進行</a:t>
+            </a:r>
+            <a:r>
+              <a:rPr lang="zh-CHT" altLang="zh-CHT" dirty="0">
+                <a:latin typeface="微軟正黑體" charset="0"/>
+                <a:ea typeface="微軟正黑體" charset="0"/>
+                <a:cs typeface="微軟正黑體" charset="0"/>
+              </a:rPr>
+              <a:t>機器</a:t>
+            </a:r>
+            <a:r>
+              <a:rPr lang="zh-CHT" altLang="zh-CHT" dirty="0" smtClean="0">
+                <a:latin typeface="微軟正黑體" charset="0"/>
+                <a:ea typeface="微軟正黑體" charset="0"/>
+                <a:cs typeface="微軟正黑體" charset="0"/>
+              </a:rPr>
+              <a:t>學習</a:t>
+            </a:r>
+            <a:r>
+              <a:rPr lang="zh-CHT" altLang="en-US" dirty="0" smtClean="0">
+                <a:latin typeface="微軟正黑體" charset="0"/>
+                <a:ea typeface="微軟正黑體" charset="0"/>
+                <a:cs typeface="微軟正黑體" charset="0"/>
+              </a:rPr>
+              <a:t>，</a:t>
+            </a:r>
+            <a:r>
+              <a:rPr lang="zh-CHT" altLang="zh-CHT" dirty="0" smtClean="0">
+                <a:latin typeface="微軟正黑體" charset="0"/>
+                <a:ea typeface="微軟正黑體" charset="0"/>
+                <a:cs typeface="微軟正黑體" charset="0"/>
+              </a:rPr>
+              <a:t>以</a:t>
+            </a:r>
+            <a:r>
+              <a:rPr lang="zh-CHT" altLang="zh-CHT" dirty="0">
+                <a:latin typeface="微軟正黑體" charset="0"/>
+                <a:ea typeface="微軟正黑體" charset="0"/>
+                <a:cs typeface="微軟正黑體" charset="0"/>
+              </a:rPr>
+              <a:t>增加群集分析分群的準確度</a:t>
             </a:r>
             <a:endParaRPr kumimoji="1" lang="zh-CHT" altLang="en-US" dirty="0">
               <a:latin typeface="微軟正黑體" charset="0"/>
@@ -8333,7 +9684,167 @@
                 <a:ea typeface="微軟正黑體" charset="0"/>
                 <a:cs typeface="微軟正黑體" charset="0"/>
               </a:rPr>
-              <a:t>經由群聚分析後之分析結果尚屬於數據資料，無法輕易看出其背後代表之含義，因此本研究將藉由資料視覺化的方式，呈現其結果真正之樣貌，以利於解讀背後真正的含意，了解聽眾對於台灣華語流行音樂之真正的音樂和弦結構喜好</a:t>
+              <a:t>經由群聚分析後之分析結果尚屬於數據</a:t>
+            </a:r>
+            <a:r>
+              <a:rPr lang="zh-CHT" altLang="zh-CHT" dirty="0" smtClean="0">
+                <a:latin typeface="微軟正黑體" charset="0"/>
+                <a:ea typeface="微軟正黑體" charset="0"/>
+                <a:cs typeface="微軟正黑體" charset="0"/>
+              </a:rPr>
+              <a:t>資料</a:t>
+            </a:r>
+            <a:r>
+              <a:rPr lang="zh-CHT" altLang="en-US" dirty="0" smtClean="0">
+                <a:latin typeface="微軟正黑體" charset="0"/>
+                <a:ea typeface="微軟正黑體" charset="0"/>
+                <a:cs typeface="微軟正黑體" charset="0"/>
+              </a:rPr>
+              <a:t>，</a:t>
+            </a:r>
+            <a:r>
+              <a:rPr lang="zh-CHT" altLang="zh-CHT" dirty="0" smtClean="0">
+                <a:latin typeface="微軟正黑體" charset="0"/>
+                <a:ea typeface="微軟正黑體" charset="0"/>
+                <a:cs typeface="微軟正黑體" charset="0"/>
+              </a:rPr>
+              <a:t>無法</a:t>
+            </a:r>
+            <a:r>
+              <a:rPr lang="zh-CHT" altLang="zh-CHT" dirty="0">
+                <a:latin typeface="微軟正黑體" charset="0"/>
+                <a:ea typeface="微軟正黑體" charset="0"/>
+                <a:cs typeface="微軟正黑體" charset="0"/>
+              </a:rPr>
+              <a:t>輕易看出其背後代表之</a:t>
+            </a:r>
+            <a:r>
+              <a:rPr lang="zh-CHT" altLang="zh-CHT" dirty="0" smtClean="0">
+                <a:latin typeface="微軟正黑體" charset="0"/>
+                <a:ea typeface="微軟正黑體" charset="0"/>
+                <a:cs typeface="微軟正黑體" charset="0"/>
+              </a:rPr>
+              <a:t>含義</a:t>
+            </a:r>
+            <a:r>
+              <a:rPr lang="zh-CHT" altLang="en-US" dirty="0" smtClean="0">
+                <a:latin typeface="微軟正黑體" charset="0"/>
+                <a:ea typeface="微軟正黑體" charset="0"/>
+                <a:cs typeface="微軟正黑體" charset="0"/>
+              </a:rPr>
+              <a:t>，</a:t>
+            </a:r>
+            <a:r>
+              <a:rPr lang="zh-CHT" altLang="zh-CHT" dirty="0" smtClean="0">
+                <a:latin typeface="微軟正黑體" charset="0"/>
+                <a:ea typeface="微軟正黑體" charset="0"/>
+                <a:cs typeface="微軟正黑體" charset="0"/>
+              </a:rPr>
+              <a:t>因此</a:t>
+            </a:r>
+            <a:r>
+              <a:rPr lang="zh-CHT" altLang="zh-CHT" dirty="0">
+                <a:latin typeface="微軟正黑體" charset="0"/>
+                <a:ea typeface="微軟正黑體" charset="0"/>
+                <a:cs typeface="微軟正黑體" charset="0"/>
+              </a:rPr>
+              <a:t>本研究將藉由資料視覺化的</a:t>
+            </a:r>
+            <a:r>
+              <a:rPr lang="zh-CHT" altLang="zh-CHT" dirty="0" smtClean="0">
+                <a:latin typeface="微軟正黑體" charset="0"/>
+                <a:ea typeface="微軟正黑體" charset="0"/>
+                <a:cs typeface="微軟正黑體" charset="0"/>
+              </a:rPr>
+              <a:t>方式</a:t>
+            </a:r>
+            <a:r>
+              <a:rPr lang="zh-CHT" altLang="en-US" dirty="0" smtClean="0">
+                <a:latin typeface="微軟正黑體" charset="0"/>
+                <a:ea typeface="微軟正黑體" charset="0"/>
+                <a:cs typeface="微軟正黑體" charset="0"/>
+              </a:rPr>
+              <a:t>，</a:t>
+            </a:r>
+            <a:r>
+              <a:rPr lang="zh-CHT" altLang="zh-CHT" dirty="0" smtClean="0">
+                <a:latin typeface="微軟正黑體" charset="0"/>
+                <a:ea typeface="微軟正黑體" charset="0"/>
+                <a:cs typeface="微軟正黑體" charset="0"/>
+              </a:rPr>
+              <a:t>呈現</a:t>
+            </a:r>
+            <a:r>
+              <a:rPr lang="zh-CHT" altLang="zh-CHT" dirty="0">
+                <a:latin typeface="微軟正黑體" charset="0"/>
+                <a:ea typeface="微軟正黑體" charset="0"/>
+                <a:cs typeface="微軟正黑體" charset="0"/>
+              </a:rPr>
+              <a:t>其結果真正之</a:t>
+            </a:r>
+            <a:r>
+              <a:rPr lang="zh-CHT" altLang="zh-CHT" dirty="0" smtClean="0">
+                <a:latin typeface="微軟正黑體" charset="0"/>
+                <a:ea typeface="微軟正黑體" charset="0"/>
+                <a:cs typeface="微軟正黑體" charset="0"/>
+              </a:rPr>
+              <a:t>樣貌</a:t>
+            </a:r>
+            <a:r>
+              <a:rPr lang="zh-CHT" altLang="en-US" dirty="0" smtClean="0">
+                <a:latin typeface="微軟正黑體" charset="0"/>
+                <a:ea typeface="微軟正黑體" charset="0"/>
+                <a:cs typeface="微軟正黑體" charset="0"/>
+              </a:rPr>
+              <a:t>，</a:t>
+            </a:r>
+            <a:r>
+              <a:rPr lang="zh-CHT" altLang="zh-CHT" dirty="0" smtClean="0">
+                <a:latin typeface="微軟正黑體" charset="0"/>
+                <a:ea typeface="微軟正黑體" charset="0"/>
+                <a:cs typeface="微軟正黑體" charset="0"/>
+              </a:rPr>
+              <a:t>以利</a:t>
+            </a:r>
+            <a:r>
+              <a:rPr lang="zh-CHT" altLang="zh-CHT" dirty="0">
+                <a:latin typeface="微軟正黑體" charset="0"/>
+                <a:ea typeface="微軟正黑體" charset="0"/>
+                <a:cs typeface="微軟正黑體" charset="0"/>
+              </a:rPr>
+              <a:t>於解讀背後真正的</a:t>
+            </a:r>
+            <a:r>
+              <a:rPr lang="zh-CHT" altLang="zh-CHT" dirty="0" smtClean="0">
+                <a:latin typeface="微軟正黑體" charset="0"/>
+                <a:ea typeface="微軟正黑體" charset="0"/>
+                <a:cs typeface="微軟正黑體" charset="0"/>
+              </a:rPr>
+              <a:t>含意</a:t>
+            </a:r>
+            <a:r>
+              <a:rPr lang="zh-CHT" altLang="en-US" dirty="0" smtClean="0">
+                <a:latin typeface="微軟正黑體" charset="0"/>
+                <a:ea typeface="微軟正黑體" charset="0"/>
+                <a:cs typeface="微軟正黑體" charset="0"/>
+              </a:rPr>
+              <a:t>，</a:t>
+            </a:r>
+            <a:r>
+              <a:rPr lang="zh-CHT" altLang="zh-CHT" dirty="0" smtClean="0">
+                <a:latin typeface="微軟正黑體" charset="0"/>
+                <a:ea typeface="微軟正黑體" charset="0"/>
+                <a:cs typeface="微軟正黑體" charset="0"/>
+              </a:rPr>
+              <a:t>了解</a:t>
+            </a:r>
+            <a:r>
+              <a:rPr lang="zh-CHT" altLang="zh-CHT" dirty="0">
+                <a:latin typeface="微軟正黑體" charset="0"/>
+                <a:ea typeface="微軟正黑體" charset="0"/>
+                <a:cs typeface="微軟正黑體" charset="0"/>
+              </a:rPr>
+              <a:t>聽眾對於台灣華語流行音樂之真正的音樂和弦結構喜好</a:t>
             </a:r>
             <a:r>
               <a:rPr lang="zh-CHT" altLang="zh-CHT" dirty="0" smtClean="0">
@@ -9070,16 +10581,34 @@
                           <a:ea typeface="微軟正黑體" charset="0"/>
                           <a:cs typeface="微軟正黑體" charset="0"/>
                         </a:rPr>
-                        <a:t>Web Service</a:t>
+                        <a:t>Web </a:t>
                       </a:r>
                       <a:r>
-                        <a:rPr lang="zh-CHT" sz="1600" kern="100" dirty="0">
+                        <a:rPr lang="en-US" sz="1600" kern="100" dirty="0" smtClean="0">
                           <a:effectLst/>
                           <a:latin typeface="微軟正黑體" charset="0"/>
                           <a:ea typeface="微軟正黑體" charset="0"/>
                           <a:cs typeface="微軟正黑體" charset="0"/>
                         </a:rPr>
-                        <a:t>，開發</a:t>
+                        <a:t>Service</a:t>
+                      </a:r>
+                      <a:r>
+                        <a:rPr lang="zh-CHT" altLang="en-US" sz="1600" kern="100" dirty="0" smtClean="0">
+                          <a:effectLst/>
+                          <a:latin typeface="微軟正黑體" charset="0"/>
+                          <a:ea typeface="微軟正黑體" charset="0"/>
+                          <a:cs typeface="微軟正黑體" charset="0"/>
+                        </a:rPr>
+                        <a:t>，</a:t>
+                      </a:r>
+                      <a:r>
+                        <a:rPr lang="zh-CHT" sz="1600" kern="100" dirty="0" smtClean="0">
+                          <a:effectLst/>
+                          <a:latin typeface="微軟正黑體" charset="0"/>
+                          <a:ea typeface="微軟正黑體" charset="0"/>
+                          <a:cs typeface="微軟正黑體" charset="0"/>
+                        </a:rPr>
+                        <a:t>開發</a:t>
                       </a:r>
                       <a:r>
                         <a:rPr lang="en-US" sz="1600" kern="100" dirty="0">
@@ -9097,7 +10626,34 @@
                           <a:ea typeface="微軟正黑體" charset="0"/>
                           <a:cs typeface="微軟正黑體" charset="0"/>
                         </a:rPr>
-                        <a:t>網路爬蟲進行探索，結合</a:t>
+                        <a:t>網路爬蟲進行</a:t>
+                      </a:r>
+                      <a:r>
+                        <a:rPr lang="zh-CHT" sz="1600" kern="100" dirty="0" smtClean="0">
+                          <a:effectLst/>
+                          <a:latin typeface="微軟正黑體" charset="0"/>
+                          <a:ea typeface="微軟正黑體" charset="0"/>
+                          <a:cs typeface="微軟正黑體" charset="0"/>
+                        </a:rPr>
+                        <a:t>探索</a:t>
+                      </a:r>
+                      <a:r>
+                        <a:rPr lang="zh-CHT" altLang="en-US" sz="1600" kern="100" dirty="0" smtClean="0">
+                          <a:effectLst/>
+                          <a:latin typeface="微軟正黑體" charset="0"/>
+                          <a:ea typeface="微軟正黑體" charset="0"/>
+                          <a:cs typeface="微軟正黑體" charset="0"/>
+                        </a:rPr>
+                        <a:t>，</a:t>
+                      </a:r>
+                      <a:r>
+                        <a:rPr lang="zh-CHT" sz="1600" kern="100" dirty="0" smtClean="0">
+                          <a:effectLst/>
+                          <a:latin typeface="微軟正黑體" charset="0"/>
+                          <a:ea typeface="微軟正黑體" charset="0"/>
+                          <a:cs typeface="微軟正黑體" charset="0"/>
+                        </a:rPr>
+                        <a:t>結合</a:t>
                       </a:r>
                       <a:r>
                         <a:rPr lang="en-US" sz="1600" kern="100" dirty="0">
@@ -9419,7 +10975,43 @@
                           <a:ea typeface="微軟正黑體" charset="0"/>
                           <a:cs typeface="微軟正黑體" charset="0"/>
                         </a:rPr>
-                        <a:t>進行資料萃取，找出聽眾真正喜歡之台灣華語流行音樂。</a:t>
+                        <a:t>進行資料</a:t>
+                      </a:r>
+                      <a:r>
+                        <a:rPr lang="zh-CHT" sz="1600" kern="100" dirty="0" smtClean="0">
+                          <a:effectLst/>
+                          <a:latin typeface="微軟正黑體" charset="0"/>
+                          <a:ea typeface="微軟正黑體" charset="0"/>
+                          <a:cs typeface="微軟正黑體" charset="0"/>
+                        </a:rPr>
+                        <a:t>萃取</a:t>
+                      </a:r>
+                      <a:r>
+                        <a:rPr lang="zh-CHT" altLang="en-US" sz="1600" kern="100" dirty="0" smtClean="0">
+                          <a:effectLst/>
+                          <a:latin typeface="微軟正黑體" charset="0"/>
+                          <a:ea typeface="微軟正黑體" charset="0"/>
+                          <a:cs typeface="微軟正黑體" charset="0"/>
+                        </a:rPr>
+                        <a:t>，</a:t>
+                      </a:r>
+                      <a:r>
+                        <a:rPr lang="zh-CHT" sz="1600" kern="100" dirty="0" smtClean="0">
+                          <a:effectLst/>
+                          <a:latin typeface="微軟正黑體" charset="0"/>
+                          <a:ea typeface="微軟正黑體" charset="0"/>
+                          <a:cs typeface="微軟正黑體" charset="0"/>
+                        </a:rPr>
+                        <a:t>找出</a:t>
+                      </a:r>
+                      <a:r>
+                        <a:rPr lang="zh-CHT" sz="1600" kern="100" dirty="0">
+                          <a:effectLst/>
+                          <a:latin typeface="微軟正黑體" charset="0"/>
+                          <a:ea typeface="微軟正黑體" charset="0"/>
+                          <a:cs typeface="微軟正黑體" charset="0"/>
+                        </a:rPr>
+                        <a:t>聽眾真正喜歡之台灣華語流行音樂。</a:t>
                       </a:r>
                     </a:p>
                   </a:txBody>
@@ -9699,7 +11291,7 @@
                         </a:spcAft>
                       </a:pPr>
                       <a:r>
-                        <a:rPr lang="zh-CHT" sz="1600" kern="100">
+                        <a:rPr lang="zh-CHT" sz="1600" kern="100" dirty="0">
                           <a:effectLst/>
                           <a:latin typeface="微軟正黑體" charset="0"/>
                           <a:ea typeface="微軟正黑體" charset="0"/>
@@ -9708,7 +11300,7 @@
                         <a:t>運用線上音樂結構分析平台</a:t>
                       </a:r>
                       <a:r>
-                        <a:rPr lang="en-US" sz="1600" kern="100">
+                        <a:rPr lang="en-US" sz="1600" kern="100" dirty="0" err="1">
                           <a:effectLst/>
                           <a:latin typeface="微軟正黑體" charset="0"/>
                           <a:ea typeface="微軟正黑體" charset="0"/>
@@ -9717,13 +11309,49 @@
                         <a:t>Songle.jp</a:t>
                       </a:r>
                       <a:r>
-                        <a:rPr lang="zh-CHT" sz="1600" kern="100">
+                        <a:rPr lang="zh-CHT" sz="1600" kern="100" dirty="0">
                           <a:effectLst/>
                           <a:latin typeface="微軟正黑體" charset="0"/>
                           <a:ea typeface="微軟正黑體" charset="0"/>
                           <a:cs typeface="微軟正黑體" charset="0"/>
                         </a:rPr>
-                        <a:t>所提供之音樂和弦結構分析功能，將非結構化之音樂轉換為結構化之資料型態。</a:t>
+                        <a:t>所提供之音樂和弦結構分析</a:t>
+                      </a:r>
+                      <a:r>
+                        <a:rPr lang="zh-CHT" sz="1600" kern="100" dirty="0" smtClean="0">
+                          <a:effectLst/>
+                          <a:latin typeface="微軟正黑體" charset="0"/>
+                          <a:ea typeface="微軟正黑體" charset="0"/>
+                          <a:cs typeface="微軟正黑體" charset="0"/>
+                        </a:rPr>
+                        <a:t>功能</a:t>
+                      </a:r>
+                      <a:r>
+                        <a:rPr lang="zh-CHT" altLang="en-US" sz="1600" kern="100" dirty="0" smtClean="0">
+                          <a:effectLst/>
+                          <a:latin typeface="微軟正黑體" charset="0"/>
+                          <a:ea typeface="微軟正黑體" charset="0"/>
+                          <a:cs typeface="微軟正黑體" charset="0"/>
+                        </a:rPr>
+                        <a:t>，</a:t>
+                      </a:r>
+                      <a:r>
+                        <a:rPr lang="zh-CHT" sz="1600" kern="100" dirty="0" smtClean="0">
+                          <a:effectLst/>
+                          <a:latin typeface="微軟正黑體" charset="0"/>
+                          <a:ea typeface="微軟正黑體" charset="0"/>
+                          <a:cs typeface="微軟正黑體" charset="0"/>
+                        </a:rPr>
+                        <a:t>將</a:t>
+                      </a:r>
+                      <a:r>
+                        <a:rPr lang="zh-CHT" sz="1600" kern="100" dirty="0">
+                          <a:effectLst/>
+                          <a:latin typeface="微軟正黑體" charset="0"/>
+                          <a:ea typeface="微軟正黑體" charset="0"/>
+                          <a:cs typeface="微軟正黑體" charset="0"/>
+                        </a:rPr>
+                        <a:t>非結構化之音樂轉換為結構化之資料型態。</a:t>
                       </a:r>
                     </a:p>
                   </a:txBody>
@@ -10027,7 +11655,43 @@
                           <a:ea typeface="微軟正黑體" charset="0"/>
                           <a:cs typeface="微軟正黑體" charset="0"/>
                         </a:rPr>
-                        <a:t>進行群聚分析，找出台灣華語流行音樂之熱門和弦結構。</a:t>
+                        <a:t>進行群聚</a:t>
+                      </a:r>
+                      <a:r>
+                        <a:rPr lang="zh-CHT" sz="1600" kern="100" dirty="0" smtClean="0">
+                          <a:effectLst/>
+                          <a:latin typeface="微軟正黑體" charset="0"/>
+                          <a:ea typeface="微軟正黑體" charset="0"/>
+                          <a:cs typeface="微軟正黑體" charset="0"/>
+                        </a:rPr>
+                        <a:t>分析</a:t>
+                      </a:r>
+                      <a:r>
+                        <a:rPr lang="zh-CHT" altLang="en-US" sz="1600" kern="100" dirty="0" smtClean="0">
+                          <a:effectLst/>
+                          <a:latin typeface="微軟正黑體" charset="0"/>
+                          <a:ea typeface="微軟正黑體" charset="0"/>
+                          <a:cs typeface="微軟正黑體" charset="0"/>
+                        </a:rPr>
+                        <a:t>，</a:t>
+                      </a:r>
+                      <a:r>
+                        <a:rPr lang="zh-CHT" sz="1600" kern="100" dirty="0" smtClean="0">
+                          <a:effectLst/>
+                          <a:latin typeface="微軟正黑體" charset="0"/>
+                          <a:ea typeface="微軟正黑體" charset="0"/>
+                          <a:cs typeface="微軟正黑體" charset="0"/>
+                        </a:rPr>
+                        <a:t>找出</a:t>
+                      </a:r>
+                      <a:r>
+                        <a:rPr lang="zh-CHT" sz="1600" kern="100" dirty="0">
+                          <a:effectLst/>
+                          <a:latin typeface="微軟正黑體" charset="0"/>
+                          <a:ea typeface="微軟正黑體" charset="0"/>
+                          <a:cs typeface="微軟正黑體" charset="0"/>
+                        </a:rPr>
+                        <a:t>台灣華語流行音樂之熱門和弦結構。</a:t>
                       </a:r>
                     </a:p>
                   </a:txBody>
@@ -10316,7 +11980,7 @@
                         <a:t>運用資料視覺化軟體</a:t>
                       </a:r>
                       <a:r>
-                        <a:rPr lang="en-US" sz="1600" kern="100" dirty="0">
+                        <a:rPr lang="en-US" sz="1600" kern="100" dirty="0" smtClean="0">
                           <a:effectLst/>
                           <a:latin typeface="微軟正黑體" charset="0"/>
                           <a:ea typeface="微軟正黑體" charset="0"/>
@@ -10325,13 +11989,67 @@
                         <a:t>Tableau</a:t>
                       </a:r>
                       <a:r>
+                        <a:rPr lang="zh-CHT" altLang="en-US" sz="1600" kern="100" dirty="0" smtClean="0">
+                          <a:effectLst/>
+                          <a:latin typeface="微軟正黑體" charset="0"/>
+                          <a:ea typeface="微軟正黑體" charset="0"/>
+                          <a:cs typeface="微軟正黑體" charset="0"/>
+                        </a:rPr>
+                        <a:t>，</a:t>
+                      </a:r>
+                      <a:r>
+                        <a:rPr lang="zh-CHT" sz="1600" kern="100" dirty="0" smtClean="0">
+                          <a:effectLst/>
+                          <a:latin typeface="微軟正黑體" charset="0"/>
+                          <a:ea typeface="微軟正黑體" charset="0"/>
+                          <a:cs typeface="微軟正黑體" charset="0"/>
+                        </a:rPr>
+                        <a:t>將</a:t>
+                      </a:r>
+                      <a:r>
                         <a:rPr lang="zh-CHT" sz="1600" kern="100" dirty="0">
                           <a:effectLst/>
                           <a:latin typeface="微軟正黑體" charset="0"/>
                           <a:ea typeface="微軟正黑體" charset="0"/>
                           <a:cs typeface="微軟正黑體" charset="0"/>
                         </a:rPr>
-                        <a:t>，將分析後之台灣華語流行音樂熱門和弦結構資料進行資料視覺化的動作，以利解讀聽眾口味。</a:t>
+                        <a:t>分析後之台灣華語流行音樂熱門和弦結構資料進行資料視覺化的</a:t>
+                      </a:r>
+                      <a:r>
+                        <a:rPr lang="zh-CHT" sz="1600" kern="100" dirty="0" smtClean="0">
+                          <a:effectLst/>
+                          <a:latin typeface="微軟正黑體" charset="0"/>
+                          <a:ea typeface="微軟正黑體" charset="0"/>
+                          <a:cs typeface="微軟正黑體" charset="0"/>
+                        </a:rPr>
+                        <a:t>動作</a:t>
+                      </a:r>
+                      <a:r>
+                        <a:rPr lang="zh-CHT" altLang="en-US" sz="1600" kern="100" dirty="0" smtClean="0">
+                          <a:effectLst/>
+                          <a:latin typeface="微軟正黑體" charset="0"/>
+                          <a:ea typeface="微軟正黑體" charset="0"/>
+                          <a:cs typeface="微軟正黑體" charset="0"/>
+                        </a:rPr>
+                        <a:t>，</a:t>
+                      </a:r>
+                      <a:r>
+                        <a:rPr lang="zh-CHT" sz="1600" kern="100" dirty="0" smtClean="0">
+                          <a:effectLst/>
+                          <a:latin typeface="微軟正黑體" charset="0"/>
+                          <a:ea typeface="微軟正黑體" charset="0"/>
+                          <a:cs typeface="微軟正黑體" charset="0"/>
+                        </a:rPr>
+                        <a:t>以利</a:t>
+                      </a:r>
+                      <a:r>
+                        <a:rPr lang="zh-CHT" sz="1600" kern="100" dirty="0">
+                          <a:effectLst/>
+                          <a:latin typeface="微軟正黑體" charset="0"/>
+                          <a:ea typeface="微軟正黑體" charset="0"/>
+                          <a:cs typeface="微軟正黑體" charset="0"/>
+                        </a:rPr>
+                        <a:t>解讀聽眾口味。</a:t>
                       </a:r>
                     </a:p>
                   </a:txBody>
@@ -10732,7 +12450,7 @@
         </p:spPr>
         <p:txBody>
           <a:bodyPr>
-            <a:normAutofit fontScale="85000" lnSpcReduction="20000"/>
+            <a:normAutofit fontScale="85000" lnSpcReduction="10000"/>
           </a:bodyPr>
           <a:lstStyle/>
           <a:p>
@@ -10755,7 +12473,39 @@
                 <a:ea typeface="微軟正黑體" charset="0"/>
                 <a:cs typeface="微軟正黑體" charset="0"/>
               </a:rPr>
-              <a:t>大數據的時代來臨，判定流行音樂曲目是否熱門的因素已經不再只是單純的以銷售金額與數量來決定</a:t>
+              <a:t>大數據的時代</a:t>
+            </a:r>
+            <a:r>
+              <a:rPr lang="zh-CHT" altLang="zh-CHT" dirty="0" smtClean="0">
+                <a:latin typeface="微軟正黑體" charset="0"/>
+                <a:ea typeface="微軟正黑體" charset="0"/>
+                <a:cs typeface="微軟正黑體" charset="0"/>
+              </a:rPr>
+              <a:t>來臨</a:t>
+            </a:r>
+            <a:r>
+              <a:rPr lang="zh-CHT" altLang="en-US" dirty="0" smtClean="0">
+                <a:latin typeface="微軟正黑體" charset="0"/>
+                <a:ea typeface="微軟正黑體" charset="0"/>
+                <a:cs typeface="微軟正黑體" charset="0"/>
+              </a:rPr>
+              <a:t>，</a:t>
+            </a:r>
+            <a:r>
+              <a:rPr lang="zh-CHT" altLang="zh-CHT" dirty="0" smtClean="0">
+                <a:latin typeface="微軟正黑體" charset="0"/>
+                <a:ea typeface="微軟正黑體" charset="0"/>
+                <a:cs typeface="微軟正黑體" charset="0"/>
+              </a:rPr>
+              <a:t>判定</a:t>
+            </a:r>
+            <a:r>
+              <a:rPr lang="zh-CHT" altLang="zh-CHT" dirty="0">
+                <a:latin typeface="微軟正黑體" charset="0"/>
+                <a:ea typeface="微軟正黑體" charset="0"/>
+                <a:cs typeface="微軟正黑體" charset="0"/>
+              </a:rPr>
+              <a:t>流行音樂曲目是否熱門的因素已經不再只是單純的以銷售金額與數量來決定</a:t>
             </a:r>
             <a:r>
               <a:rPr lang="zh-CHT" altLang="zh-CHT" dirty="0">
@@ -10783,7 +12533,71 @@
                 <a:ea typeface="微軟正黑體" charset="0"/>
                 <a:cs typeface="微軟正黑體" charset="0"/>
               </a:rPr>
-              <a:t>音樂相關數據與使用者播放資料，已經改變了各大音樂排行榜判斷熱門音樂曲目的演算法，甚至改變了音樂產業的行銷與營運方式</a:t>
+              <a:t>音樂相關數據與使用者播放</a:t>
+            </a:r>
+            <a:r>
+              <a:rPr lang="zh-CHT" altLang="zh-CHT" dirty="0" smtClean="0">
+                <a:latin typeface="微軟正黑體" charset="0"/>
+                <a:ea typeface="微軟正黑體" charset="0"/>
+                <a:cs typeface="微軟正黑體" charset="0"/>
+              </a:rPr>
+              <a:t>資料</a:t>
+            </a:r>
+            <a:r>
+              <a:rPr lang="zh-CHT" altLang="en-US" dirty="0" smtClean="0">
+                <a:latin typeface="微軟正黑體" charset="0"/>
+                <a:ea typeface="微軟正黑體" charset="0"/>
+                <a:cs typeface="微軟正黑體" charset="0"/>
+              </a:rPr>
+              <a:t>，</a:t>
+            </a:r>
+            <a:r>
+              <a:rPr lang="zh-CHT" altLang="zh-CHT" dirty="0" smtClean="0">
+                <a:latin typeface="微軟正黑體" charset="0"/>
+                <a:ea typeface="微軟正黑體" charset="0"/>
+                <a:cs typeface="微軟正黑體" charset="0"/>
+              </a:rPr>
+              <a:t>已經</a:t>
+            </a:r>
+            <a:r>
+              <a:rPr lang="zh-CHT" altLang="zh-CHT" dirty="0">
+                <a:latin typeface="微軟正黑體" charset="0"/>
+                <a:ea typeface="微軟正黑體" charset="0"/>
+                <a:cs typeface="微軟正黑體" charset="0"/>
+              </a:rPr>
+              <a:t>改變了各大音樂排行榜判斷熱門音樂曲目的</a:t>
+            </a:r>
+            <a:r>
+              <a:rPr lang="zh-CHT" altLang="zh-CHT" dirty="0" smtClean="0">
+                <a:latin typeface="微軟正黑體" charset="0"/>
+                <a:ea typeface="微軟正黑體" charset="0"/>
+                <a:cs typeface="微軟正黑體" charset="0"/>
+              </a:rPr>
+              <a:t>演算法</a:t>
+            </a:r>
+            <a:r>
+              <a:rPr lang="zh-CHT" altLang="en-US" dirty="0" smtClean="0">
+                <a:latin typeface="微軟正黑體" charset="0"/>
+                <a:ea typeface="微軟正黑體" charset="0"/>
+                <a:cs typeface="微軟正黑體" charset="0"/>
+              </a:rPr>
+              <a:t>，</a:t>
+            </a:r>
+            <a:r>
+              <a:rPr lang="zh-CHT" altLang="zh-CHT" dirty="0" smtClean="0">
+                <a:latin typeface="微軟正黑體" charset="0"/>
+                <a:ea typeface="微軟正黑體" charset="0"/>
+                <a:cs typeface="微軟正黑體" charset="0"/>
+              </a:rPr>
+              <a:t>甚至</a:t>
+            </a:r>
+            <a:r>
+              <a:rPr lang="zh-CHT" altLang="zh-CHT" dirty="0">
+                <a:latin typeface="微軟正黑體" charset="0"/>
+                <a:ea typeface="微軟正黑體" charset="0"/>
+                <a:cs typeface="微軟正黑體" charset="0"/>
+              </a:rPr>
+              <a:t>改變了音樂產業的行銷與營運方式</a:t>
             </a:r>
             <a:r>
               <a:rPr lang="zh-CHT" altLang="zh-CHT" dirty="0">
@@ -10811,7 +12625,7 @@
                 <a:ea typeface="微軟正黑體" charset="0"/>
                 <a:cs typeface="微軟正黑體" charset="0"/>
               </a:rPr>
-              <a:t>美國指標性的音樂雜誌告示牌，其排行榜改變過去只統計唱片銷售數字及廣播播放次數決定排行榜順序，他們開始加入網入社群網路與串流</a:t>
+              <a:t>美國指標性的音樂雜誌</a:t>
             </a:r>
             <a:r>
               <a:rPr lang="zh-CHT" altLang="zh-CHT" dirty="0" smtClean="0">
@@ -10819,6 +12633,70 @@
                 <a:ea typeface="微軟正黑體" charset="0"/>
                 <a:cs typeface="微軟正黑體" charset="0"/>
               </a:rPr>
+              <a:t>告示牌</a:t>
+            </a:r>
+            <a:r>
+              <a:rPr lang="zh-CHT" altLang="en-US" dirty="0" smtClean="0">
+                <a:latin typeface="微軟正黑體" charset="0"/>
+                <a:ea typeface="微軟正黑體" charset="0"/>
+                <a:cs typeface="微軟正黑體" charset="0"/>
+              </a:rPr>
+              <a:t>，</a:t>
+            </a:r>
+            <a:r>
+              <a:rPr lang="zh-CHT" altLang="zh-CHT" dirty="0" smtClean="0">
+                <a:latin typeface="微軟正黑體" charset="0"/>
+                <a:ea typeface="微軟正黑體" charset="0"/>
+                <a:cs typeface="微軟正黑體" charset="0"/>
+              </a:rPr>
+              <a:t>改變</a:t>
+            </a:r>
+            <a:r>
+              <a:rPr lang="zh-CHT" altLang="zh-CHT" dirty="0">
+                <a:latin typeface="微軟正黑體" charset="0"/>
+                <a:ea typeface="微軟正黑體" charset="0"/>
+                <a:cs typeface="微軟正黑體" charset="0"/>
+              </a:rPr>
+              <a:t>過去只統計唱片銷售數字及廣播播放次數決定排行榜</a:t>
+            </a:r>
+            <a:r>
+              <a:rPr lang="zh-CHT" altLang="zh-CHT" dirty="0" smtClean="0">
+                <a:latin typeface="微軟正黑體" charset="0"/>
+                <a:ea typeface="微軟正黑體" charset="0"/>
+                <a:cs typeface="微軟正黑體" charset="0"/>
+              </a:rPr>
+              <a:t>順序</a:t>
+            </a:r>
+            <a:r>
+              <a:rPr lang="zh-CHT" altLang="en-US" dirty="0" smtClean="0">
+                <a:latin typeface="微軟正黑體" charset="0"/>
+                <a:ea typeface="微軟正黑體" charset="0"/>
+                <a:cs typeface="微軟正黑體" charset="0"/>
+              </a:rPr>
+              <a:t>，</a:t>
+            </a:r>
+            <a:r>
+              <a:rPr lang="zh-CHT" altLang="zh-CHT" dirty="0" smtClean="0">
+                <a:latin typeface="微軟正黑體" charset="0"/>
+                <a:ea typeface="微軟正黑體" charset="0"/>
+                <a:cs typeface="微軟正黑體" charset="0"/>
+              </a:rPr>
+              <a:t>他們</a:t>
+            </a:r>
+            <a:r>
+              <a:rPr lang="zh-CHT" altLang="zh-CHT" dirty="0">
+                <a:latin typeface="微軟正黑體" charset="0"/>
+                <a:ea typeface="微軟正黑體" charset="0"/>
+                <a:cs typeface="微軟正黑體" charset="0"/>
+              </a:rPr>
+              <a:t>開始加入網入社群網路與串流</a:t>
+            </a:r>
+            <a:r>
+              <a:rPr lang="zh-CHT" altLang="zh-CHT" dirty="0" smtClean="0">
+                <a:latin typeface="微軟正黑體" charset="0"/>
+                <a:ea typeface="微軟正黑體" charset="0"/>
+                <a:cs typeface="微軟正黑體" charset="0"/>
+              </a:rPr>
               <a:t>媒體上</a:t>
             </a:r>
             <a:r>
@@ -10827,7 +12705,71 @@
                 <a:ea typeface="微軟正黑體" charset="0"/>
                 <a:cs typeface="微軟正黑體" charset="0"/>
               </a:rPr>
-              <a:t>龐大的使用者播放資料，改變排名的演算法，已找到真正的「金曲</a:t>
+              <a:t>龐大的使用者播放</a:t>
+            </a:r>
+            <a:r>
+              <a:rPr lang="zh-CHT" altLang="zh-CHT" dirty="0" smtClean="0">
+                <a:latin typeface="微軟正黑體" charset="0"/>
+                <a:ea typeface="微軟正黑體" charset="0"/>
+                <a:cs typeface="微軟正黑體" charset="0"/>
+              </a:rPr>
+              <a:t>資料</a:t>
+            </a:r>
+            <a:r>
+              <a:rPr lang="zh-CHT" altLang="en-US" dirty="0" smtClean="0">
+                <a:latin typeface="微軟正黑體" charset="0"/>
+                <a:ea typeface="微軟正黑體" charset="0"/>
+                <a:cs typeface="微軟正黑體" charset="0"/>
+              </a:rPr>
+              <a:t>，</a:t>
+            </a:r>
+            <a:r>
+              <a:rPr lang="zh-CHT" altLang="zh-CHT" dirty="0" smtClean="0">
+                <a:latin typeface="微軟正黑體" charset="0"/>
+                <a:ea typeface="微軟正黑體" charset="0"/>
+                <a:cs typeface="微軟正黑體" charset="0"/>
+              </a:rPr>
+              <a:t>改變</a:t>
+            </a:r>
+            <a:r>
+              <a:rPr lang="zh-CHT" altLang="zh-CHT" dirty="0">
+                <a:latin typeface="微軟正黑體" charset="0"/>
+                <a:ea typeface="微軟正黑體" charset="0"/>
+                <a:cs typeface="微軟正黑體" charset="0"/>
+              </a:rPr>
+              <a:t>排名的</a:t>
+            </a:r>
+            <a:r>
+              <a:rPr lang="zh-CHT" altLang="zh-CHT" dirty="0" smtClean="0">
+                <a:latin typeface="微軟正黑體" charset="0"/>
+                <a:ea typeface="微軟正黑體" charset="0"/>
+                <a:cs typeface="微軟正黑體" charset="0"/>
+              </a:rPr>
+              <a:t>演算法</a:t>
+            </a:r>
+            <a:r>
+              <a:rPr lang="zh-CHT" altLang="en-US" dirty="0" smtClean="0">
+                <a:latin typeface="微軟正黑體" charset="0"/>
+                <a:ea typeface="微軟正黑體" charset="0"/>
+                <a:cs typeface="微軟正黑體" charset="0"/>
+              </a:rPr>
+              <a:t>，</a:t>
+            </a:r>
+            <a:r>
+              <a:rPr lang="zh-CHT" altLang="zh-CHT" dirty="0" smtClean="0">
+                <a:latin typeface="微軟正黑體" charset="0"/>
+                <a:ea typeface="微軟正黑體" charset="0"/>
+                <a:cs typeface="微軟正黑體" charset="0"/>
+              </a:rPr>
+              <a:t>已</a:t>
+            </a:r>
+            <a:r>
+              <a:rPr lang="zh-CHT" altLang="zh-CHT" dirty="0">
+                <a:latin typeface="微軟正黑體" charset="0"/>
+                <a:ea typeface="微軟正黑體" charset="0"/>
+                <a:cs typeface="微軟正黑體" charset="0"/>
+              </a:rPr>
+              <a:t>找到真正的「金曲</a:t>
             </a:r>
             <a:r>
               <a:rPr lang="zh-CHT" altLang="zh-CHT" dirty="0" smtClean="0">
@@ -10969,13 +12911,13 @@
         </p:nvSpPr>
         <p:spPr>
           <a:xfrm>
-            <a:off x="1484310" y="2120348"/>
-            <a:ext cx="10018713" cy="4111907"/>
+            <a:off x="1484310" y="1847632"/>
+            <a:ext cx="10018713" cy="4508718"/>
           </a:xfrm>
         </p:spPr>
         <p:txBody>
           <a:bodyPr>
-            <a:normAutofit lnSpcReduction="10000"/>
+            <a:normAutofit fontScale="92500"/>
           </a:bodyPr>
           <a:lstStyle/>
           <a:p>
@@ -10990,7 +12932,23 @@
                 <a:ea typeface="微軟正黑體" charset="0"/>
                 <a:cs typeface="微軟正黑體" charset="0"/>
               </a:rPr>
-              <a:t>根據文化部統計</a:t>
+              <a:t>根據文化部</a:t>
+            </a:r>
+            <a:r>
+              <a:rPr lang="zh-CHT" altLang="en-US" dirty="0" smtClean="0">
+                <a:latin typeface="微軟正黑體" charset="0"/>
+                <a:ea typeface="微軟正黑體" charset="0"/>
+                <a:cs typeface="微軟正黑體" charset="0"/>
+              </a:rPr>
+              <a:t>統計，我國</a:t>
+            </a:r>
+            <a:r>
+              <a:rPr lang="zh-CHT" altLang="en-US" dirty="0">
+                <a:latin typeface="微軟正黑體" charset="0"/>
+                <a:ea typeface="微軟正黑體" charset="0"/>
+                <a:cs typeface="微軟正黑體" charset="0"/>
+              </a:rPr>
+              <a:t>有聲出版業民國 </a:t>
             </a:r>
             <a:r>
               <a:rPr lang="en-US" altLang="zh-CHT" dirty="0">
@@ -10998,7 +12956,7 @@
                 <a:ea typeface="微軟正黑體" charset="0"/>
                 <a:cs typeface="微軟正黑體" charset="0"/>
               </a:rPr>
-              <a:t>,</a:t>
+              <a:t>101 </a:t>
             </a:r>
             <a:r>
               <a:rPr lang="zh-CHT" altLang="en-US" dirty="0">
@@ -11006,15 +12964,31 @@
                 <a:ea typeface="微軟正黑體" charset="0"/>
                 <a:cs typeface="微軟正黑體" charset="0"/>
               </a:rPr>
-              <a:t>我國有聲出版業民國 </a:t>
-            </a:r>
-            <a:r>
-              <a:rPr lang="en-US" altLang="zh-CHT" dirty="0">
-                <a:latin typeface="微軟正黑體" charset="0"/>
-                <a:ea typeface="微軟正黑體" charset="0"/>
-                <a:cs typeface="微軟正黑體" charset="0"/>
-              </a:rPr>
-              <a:t>101 </a:t>
+              <a:t>年所花費的營業</a:t>
+            </a:r>
+            <a:r>
+              <a:rPr lang="zh-CHT" altLang="en-US" dirty="0" smtClean="0">
+                <a:latin typeface="微軟正黑體" charset="0"/>
+                <a:ea typeface="微軟正黑體" charset="0"/>
+                <a:cs typeface="微軟正黑體" charset="0"/>
+              </a:rPr>
+              <a:t>成本，</a:t>
+            </a:r>
+            <a:r>
+              <a:rPr lang="zh-CHT" altLang="en-US" dirty="0" smtClean="0">
+                <a:latin typeface="微軟正黑體" charset="0"/>
+                <a:ea typeface="微軟正黑體" charset="0"/>
+                <a:cs typeface="微軟正黑體" charset="0"/>
+              </a:rPr>
+              <a:t>其中，</a:t>
+            </a:r>
+            <a:r>
+              <a:rPr lang="zh-CHT" altLang="en-US" dirty="0" smtClean="0">
+                <a:latin typeface="微軟正黑體" charset="0"/>
+                <a:ea typeface="微軟正黑體" charset="0"/>
+                <a:cs typeface="微軟正黑體" charset="0"/>
+              </a:rPr>
+              <a:t>以唱片製做</a:t>
             </a:r>
             <a:r>
               <a:rPr lang="zh-CHT" altLang="en-US" dirty="0">
@@ -11022,15 +12996,15 @@
                 <a:ea typeface="微軟正黑體" charset="0"/>
                 <a:cs typeface="微軟正黑體" charset="0"/>
               </a:rPr>
-              <a:t>年所花費的營業成本中</a:t>
-            </a:r>
-            <a:r>
-              <a:rPr lang="en-US" altLang="zh-CHT" dirty="0">
-                <a:latin typeface="微軟正黑體" charset="0"/>
-                <a:ea typeface="微軟正黑體" charset="0"/>
-                <a:cs typeface="微軟正黑體" charset="0"/>
-              </a:rPr>
-              <a:t>,</a:t>
+              <a:t>之費用最</a:t>
+            </a:r>
+            <a:r>
+              <a:rPr lang="zh-CHT" altLang="en-US" dirty="0" smtClean="0">
+                <a:latin typeface="微軟正黑體" charset="0"/>
+                <a:ea typeface="微軟正黑體" charset="0"/>
+                <a:cs typeface="微軟正黑體" charset="0"/>
+              </a:rPr>
+              <a:t>高，佔</a:t>
             </a:r>
             <a:r>
               <a:rPr lang="zh-CHT" altLang="en-US" dirty="0">
@@ -11038,39 +13012,7 @@
                 <a:ea typeface="微軟正黑體" charset="0"/>
                 <a:cs typeface="微軟正黑體" charset="0"/>
               </a:rPr>
-              <a:t>以</a:t>
-            </a:r>
-            <a:r>
-              <a:rPr lang="zh-CHT" altLang="en-US" dirty="0" smtClean="0">
-                <a:latin typeface="微軟正黑體" charset="0"/>
-                <a:ea typeface="微軟正黑體" charset="0"/>
-                <a:cs typeface="微軟正黑體" charset="0"/>
-              </a:rPr>
-              <a:t>唱片製做</a:t>
-            </a:r>
-            <a:r>
-              <a:rPr lang="zh-CHT" altLang="en-US" dirty="0">
-                <a:latin typeface="微軟正黑體" charset="0"/>
-                <a:ea typeface="微軟正黑體" charset="0"/>
-                <a:cs typeface="微軟正黑體" charset="0"/>
-              </a:rPr>
-              <a:t>之費用最高</a:t>
-            </a:r>
-            <a:r>
-              <a:rPr lang="en-US" altLang="zh-CHT" dirty="0">
-                <a:latin typeface="微軟正黑體" charset="0"/>
-                <a:ea typeface="微軟正黑體" charset="0"/>
-                <a:cs typeface="微軟正黑體" charset="0"/>
-              </a:rPr>
-              <a:t>,</a:t>
-            </a:r>
-            <a:r>
-              <a:rPr lang="zh-CHT" altLang="en-US" dirty="0">
-                <a:latin typeface="微軟正黑體" charset="0"/>
-                <a:ea typeface="微軟正黑體" charset="0"/>
-                <a:cs typeface="微軟正黑體" charset="0"/>
-              </a:rPr>
-              <a:t>佔整體營業支出之 </a:t>
+              <a:t>整體營業支出之 </a:t>
             </a:r>
             <a:r>
               <a:rPr lang="en-US" altLang="zh-CHT" dirty="0">
@@ -11138,23 +13080,7 @@
                 <a:ea typeface="微軟正黑體" charset="0"/>
                 <a:cs typeface="微軟正黑體" charset="0"/>
               </a:rPr>
-              <a:t>聽眾</a:t>
-            </a:r>
-            <a:r>
-              <a:rPr lang="zh-CHT" altLang="en-US" dirty="0">
-                <a:latin typeface="微軟正黑體" charset="0"/>
-                <a:ea typeface="微軟正黑體" charset="0"/>
-                <a:cs typeface="微軟正黑體" charset="0"/>
-              </a:rPr>
-              <a:t>喜好</a:t>
-            </a:r>
-            <a:r>
-              <a:rPr lang="en-US" altLang="zh-CHT" dirty="0" smtClean="0">
-                <a:latin typeface="微軟正黑體" charset="0"/>
-                <a:ea typeface="微軟正黑體" charset="0"/>
-                <a:cs typeface="微軟正黑體" charset="0"/>
-              </a:rPr>
-              <a:t>,</a:t>
+              <a:t>聽眾喜好，</a:t>
             </a:r>
             <a:r>
               <a:rPr lang="zh-CHT" altLang="en-US" dirty="0" smtClean="0">
@@ -11257,31 +13183,7 @@
                 <a:ea typeface="微軟正黑體" charset="0"/>
                 <a:cs typeface="微軟正黑體" charset="0"/>
               </a:rPr>
-              <a:t>統計</a:t>
-            </a:r>
-            <a:r>
-              <a:rPr lang="zh-CHT" altLang="en-US" dirty="0">
-                <a:latin typeface="微軟正黑體" charset="0"/>
-                <a:ea typeface="微軟正黑體" charset="0"/>
-                <a:cs typeface="微軟正黑體" charset="0"/>
-              </a:rPr>
-              <a:t>資料</a:t>
-            </a:r>
-            <a:r>
-              <a:rPr lang="en-US" altLang="zh-CHT" dirty="0" smtClean="0">
-                <a:latin typeface="微軟正黑體" charset="0"/>
-                <a:ea typeface="微軟正黑體" charset="0"/>
-                <a:cs typeface="微軟正黑體" charset="0"/>
-              </a:rPr>
-              <a:t>,</a:t>
-            </a:r>
-            <a:r>
-              <a:rPr lang="zh-CHT" altLang="en-US" dirty="0" smtClean="0">
-                <a:latin typeface="微軟正黑體" charset="0"/>
-                <a:ea typeface="微軟正黑體" charset="0"/>
-                <a:cs typeface="微軟正黑體" charset="0"/>
-              </a:rPr>
-              <a:t>具有</a:t>
+              <a:t>統計資料，具有</a:t>
             </a:r>
             <a:r>
               <a:rPr lang="zh-CHT" altLang="en-US" dirty="0">
@@ -11478,6 +13380,14 @@
               </a:lnSpc>
             </a:pPr>
             <a:r>
+              <a:rPr lang="zh-CHT" altLang="en-US" dirty="0" smtClean="0">
+                <a:latin typeface="微軟正黑體" charset="0"/>
+                <a:ea typeface="微軟正黑體" charset="0"/>
+                <a:cs typeface="微軟正黑體" charset="0"/>
+              </a:rPr>
+              <a:t>台灣流行音樂產業中，</a:t>
+            </a:r>
+            <a:r>
               <a:rPr lang="zh-CHT" altLang="zh-CHT" dirty="0" smtClean="0">
                 <a:latin typeface="微軟正黑體" charset="0"/>
                 <a:ea typeface="微軟正黑體" charset="0"/>
@@ -11491,7 +13401,7 @@
                 <a:ea typeface="微軟正黑體" charset="0"/>
                 <a:cs typeface="微軟正黑體" charset="0"/>
               </a:rPr>
-              <a:t>音樂以及串流音樂在台灣華語流行音樂</a:t>
+              <a:t>音樂以及串流</a:t>
             </a:r>
             <a:r>
               <a:rPr lang="zh-CHT" altLang="zh-CHT" dirty="0" smtClean="0">
@@ -11499,7 +13409,7 @@
                 <a:ea typeface="微軟正黑體" charset="0"/>
                 <a:cs typeface="微軟正黑體" charset="0"/>
               </a:rPr>
-              <a:t>產業中</a:t>
+              <a:t>音樂佔有</a:t>
             </a:r>
             <a:r>
               <a:rPr lang="zh-CHT" altLang="zh-CHT" dirty="0">
@@ -11507,7 +13417,7 @@
                 <a:ea typeface="微軟正黑體" charset="0"/>
                 <a:cs typeface="微軟正黑體" charset="0"/>
               </a:rPr>
-              <a:t>佔有重要</a:t>
+              <a:t>重要</a:t>
             </a:r>
             <a:r>
               <a:rPr lang="zh-CHT" altLang="zh-CHT" dirty="0" smtClean="0">
@@ -11543,7 +13453,23 @@
                 <a:ea typeface="微軟正黑體" charset="0"/>
                 <a:cs typeface="微軟正黑體" charset="0"/>
               </a:rPr>
-              <a:t>為了解聽眾對於台灣華語流行音樂的喜好，</a:t>
+              <a:t>為了解聽眾對於台灣華語流行音樂的</a:t>
+            </a:r>
+            <a:r>
+              <a:rPr lang="zh-CHT" altLang="zh-CHT" dirty="0" smtClean="0">
+                <a:latin typeface="微軟正黑體" charset="0"/>
+                <a:ea typeface="微軟正黑體" charset="0"/>
+                <a:cs typeface="微軟正黑體" charset="0"/>
+              </a:rPr>
+              <a:t>喜好</a:t>
+            </a:r>
+            <a:r>
+              <a:rPr lang="zh-CHT" altLang="en-US" dirty="0" smtClean="0">
+                <a:latin typeface="微軟正黑體" charset="0"/>
+                <a:ea typeface="微軟正黑體" charset="0"/>
+                <a:cs typeface="微軟正黑體" charset="0"/>
+              </a:rPr>
+              <a:t>，</a:t>
             </a:r>
             <a:r>
               <a:rPr lang="zh-CHT" altLang="zh-CHT" dirty="0" smtClean="0">
@@ -11738,7 +13664,7 @@
                 <a:ea typeface="微軟正黑體" charset="0"/>
                 <a:cs typeface="微軟正黑體" charset="0"/>
               </a:rPr>
-              <a:t>費用在台灣流行音樂產業的營業成本中所佔的比例之重，若</a:t>
+              <a:t>費用在台灣流行音樂產業的營業成本中所佔的比例之</a:t>
             </a:r>
             <a:r>
               <a:rPr lang="zh-CHT" altLang="zh-CHT" sz="2400" dirty="0" smtClean="0">
@@ -11746,7 +13672,7 @@
                 <a:ea typeface="微軟正黑體" charset="0"/>
                 <a:cs typeface="微軟正黑體" charset="0"/>
               </a:rPr>
-              <a:t>能</a:t>
+              <a:t>重</a:t>
             </a:r>
             <a:r>
               <a:rPr lang="zh-CHT" altLang="en-US" sz="2400" dirty="0" smtClean="0">
@@ -11754,6 +13680,22 @@
                 <a:ea typeface="微軟正黑體" charset="0"/>
                 <a:cs typeface="微軟正黑體" charset="0"/>
               </a:rPr>
+              <a:t>，</a:t>
+            </a:r>
+            <a:r>
+              <a:rPr lang="zh-CHT" altLang="zh-CHT" sz="2400" dirty="0" smtClean="0">
+                <a:latin typeface="微軟正黑體" charset="0"/>
+                <a:ea typeface="微軟正黑體" charset="0"/>
+                <a:cs typeface="微軟正黑體" charset="0"/>
+              </a:rPr>
+              <a:t>若能</a:t>
+            </a:r>
+            <a:r>
+              <a:rPr lang="zh-CHT" altLang="en-US" sz="2400" dirty="0" smtClean="0">
+                <a:latin typeface="微軟正黑體" charset="0"/>
+                <a:ea typeface="微軟正黑體" charset="0"/>
+                <a:cs typeface="微軟正黑體" charset="0"/>
+              </a:rPr>
               <a:t>掌握</a:t>
             </a:r>
             <a:r>
@@ -11762,7 +13704,23 @@
                 <a:ea typeface="微軟正黑體" charset="0"/>
                 <a:cs typeface="微軟正黑體" charset="0"/>
               </a:rPr>
-              <a:t>聽眾喜好，製作</a:t>
+              <a:t>聽眾喜好</a:t>
+            </a:r>
+            <a:r>
+              <a:rPr lang="zh-CHT" altLang="en-US" sz="2400" dirty="0" smtClean="0">
+                <a:latin typeface="微軟正黑體" charset="0"/>
+                <a:ea typeface="微軟正黑體" charset="0"/>
+                <a:cs typeface="微軟正黑體" charset="0"/>
+              </a:rPr>
+              <a:t>，</a:t>
+            </a:r>
+            <a:r>
+              <a:rPr lang="zh-CHT" altLang="zh-CHT" sz="2400" dirty="0" smtClean="0">
+                <a:latin typeface="微軟正黑體" charset="0"/>
+                <a:ea typeface="微軟正黑體" charset="0"/>
+                <a:cs typeface="微軟正黑體" charset="0"/>
+              </a:rPr>
+              <a:t>製作</a:t>
             </a:r>
             <a:r>
               <a:rPr lang="zh-CHT" altLang="zh-CHT" sz="2400" dirty="0">
@@ -11794,15 +13752,15 @@
                 <a:ea typeface="微軟正黑體" charset="0"/>
                 <a:cs typeface="微軟正黑體" charset="0"/>
               </a:rPr>
-              <a:t>的</a:t>
-            </a:r>
-            <a:r>
-              <a:rPr lang="zh-CHT" altLang="zh-CHT" sz="2400" dirty="0">
-                <a:latin typeface="微軟正黑體" charset="0"/>
-                <a:ea typeface="微軟正黑體" charset="0"/>
-                <a:cs typeface="微軟正黑體" charset="0"/>
-              </a:rPr>
-              <a:t>音樂</a:t>
+              <a:t>的音樂</a:t>
+            </a:r>
+            <a:r>
+              <a:rPr lang="zh-CHT" altLang="en-US" sz="2400" dirty="0" smtClean="0">
+                <a:latin typeface="微軟正黑體" charset="0"/>
+                <a:ea typeface="微軟正黑體" charset="0"/>
+                <a:cs typeface="微軟正黑體" charset="0"/>
+              </a:rPr>
+              <a:t>，</a:t>
             </a:r>
             <a:r>
               <a:rPr lang="zh-CHT" altLang="zh-CHT" sz="2400" dirty="0" smtClean="0">
@@ -11810,7 +13768,15 @@
                 <a:ea typeface="微軟正黑體" charset="0"/>
                 <a:cs typeface="微軟正黑體" charset="0"/>
               </a:rPr>
-              <a:t>，降低製作投資風險，</a:t>
+              <a:t>降低製作投資風險</a:t>
+            </a:r>
+            <a:r>
+              <a:rPr lang="zh-CHT" altLang="en-US" sz="2400" dirty="0" smtClean="0">
+                <a:latin typeface="微軟正黑體" charset="0"/>
+                <a:ea typeface="微軟正黑體" charset="0"/>
+                <a:cs typeface="微軟正黑體" charset="0"/>
+              </a:rPr>
+              <a:t>，</a:t>
             </a:r>
             <a:r>
               <a:rPr lang="zh-CHT" altLang="en-US" sz="2400" dirty="0" smtClean="0">
@@ -11905,12 +13871,28 @@
               <a:t>方法</a:t>
             </a:r>
             <a:r>
+              <a:rPr lang="zh-CHT" altLang="en-US" sz="2400" dirty="0" smtClean="0">
+                <a:latin typeface="微軟正黑體" charset="0"/>
+                <a:ea typeface="微軟正黑體" charset="0"/>
+                <a:cs typeface="微軟正黑體" charset="0"/>
+              </a:rPr>
+              <a:t>，</a:t>
+            </a:r>
+            <a:r>
+              <a:rPr lang="zh-CHT" altLang="zh-CHT" sz="2400" dirty="0" smtClean="0">
+                <a:latin typeface="微軟正黑體" charset="0"/>
+                <a:ea typeface="微軟正黑體" charset="0"/>
+                <a:cs typeface="微軟正黑體" charset="0"/>
+              </a:rPr>
+              <a:t>探討</a:t>
+            </a:r>
+            <a:r>
               <a:rPr lang="zh-CHT" altLang="zh-CHT" sz="2400" dirty="0">
                 <a:latin typeface="微軟正黑體" charset="0"/>
                 <a:ea typeface="微軟正黑體" charset="0"/>
                 <a:cs typeface="微軟正黑體" charset="0"/>
               </a:rPr>
-              <a:t>，探討台灣華語流行音樂聽眾</a:t>
+              <a:t>台灣華語流行音樂聽眾</a:t>
             </a:r>
             <a:r>
               <a:rPr lang="zh-CHT" altLang="zh-CHT" sz="2400" dirty="0" smtClean="0">
@@ -11929,12 +13911,20 @@
               <a:t>，</a:t>
             </a:r>
             <a:r>
+              <a:rPr lang="zh-CHT" altLang="zh-CHT" sz="2400" dirty="0" smtClean="0">
+                <a:latin typeface="微軟正黑體" charset="0"/>
+                <a:ea typeface="微軟正黑體" charset="0"/>
+                <a:cs typeface="微軟正黑體" charset="0"/>
+              </a:rPr>
+              <a:t>找出</a:t>
+            </a:r>
+            <a:r>
               <a:rPr lang="zh-CHT" altLang="zh-CHT" sz="2400" dirty="0">
                 <a:latin typeface="微軟正黑體" charset="0"/>
                 <a:ea typeface="微軟正黑體" charset="0"/>
                 <a:cs typeface="微軟正黑體" charset="0"/>
               </a:rPr>
-              <a:t>找出台灣華語流行音樂最熱門的和弦結構</a:t>
+              <a:t>台灣華語流行音樂最熱門的和弦結構</a:t>
             </a:r>
             <a:r>
               <a:rPr lang="zh-CHT" altLang="en-US" sz="2400" dirty="0" smtClean="0">
@@ -11970,7 +13960,39 @@
                 <a:ea typeface="微軟正黑體" charset="0"/>
                 <a:cs typeface="微軟正黑體" charset="0"/>
               </a:rPr>
-              <a:t>結果期望作為未來作曲參考，以降低音樂製作風險和提升競爭優勢</a:t>
+              <a:t>結果期望作為未來作曲</a:t>
+            </a:r>
+            <a:r>
+              <a:rPr lang="zh-CHT" altLang="zh-CHT" sz="2400" dirty="0" smtClean="0">
+                <a:latin typeface="微軟正黑體" charset="0"/>
+                <a:ea typeface="微軟正黑體" charset="0"/>
+                <a:cs typeface="微軟正黑體" charset="0"/>
+              </a:rPr>
+              <a:t>參考</a:t>
+            </a:r>
+            <a:r>
+              <a:rPr lang="zh-CHT" altLang="en-US" sz="2400" dirty="0" smtClean="0">
+                <a:latin typeface="微軟正黑體" charset="0"/>
+                <a:ea typeface="微軟正黑體" charset="0"/>
+                <a:cs typeface="微軟正黑體" charset="0"/>
+              </a:rPr>
+              <a:t>，</a:t>
+            </a:r>
+            <a:r>
+              <a:rPr lang="zh-CHT" altLang="zh-CHT" sz="2400" dirty="0" smtClean="0">
+                <a:latin typeface="微軟正黑體" charset="0"/>
+                <a:ea typeface="微軟正黑體" charset="0"/>
+                <a:cs typeface="微軟正黑體" charset="0"/>
+              </a:rPr>
+              <a:t>以</a:t>
+            </a:r>
+            <a:r>
+              <a:rPr lang="zh-CHT" altLang="zh-CHT" sz="2400" dirty="0">
+                <a:latin typeface="微軟正黑體" charset="0"/>
+                <a:ea typeface="微軟正黑體" charset="0"/>
+                <a:cs typeface="微軟正黑體" charset="0"/>
+              </a:rPr>
+              <a:t>降低音樂製作風險和提升競爭優勢</a:t>
             </a:r>
             <a:r>
               <a:rPr lang="zh-CHT" altLang="en-US" sz="2400" dirty="0" smtClean="0">
@@ -12104,13 +14126,13 @@
         </p:nvSpPr>
         <p:spPr>
           <a:xfrm>
-            <a:off x="1807030" y="1937657"/>
-            <a:ext cx="9695994" cy="4539343"/>
+            <a:off x="1807030" y="1524001"/>
+            <a:ext cx="9695994" cy="4953000"/>
           </a:xfrm>
         </p:spPr>
         <p:txBody>
           <a:bodyPr>
-            <a:normAutofit fontScale="92500" lnSpcReduction="10000"/>
+            <a:normAutofit/>
           </a:bodyPr>
           <a:lstStyle/>
           <a:p>
@@ -12157,15 +14179,15 @@
                 <a:ea typeface="微軟正黑體" charset="0"/>
                 <a:cs typeface="微軟正黑體" charset="0"/>
               </a:rPr>
-              <a:t>音樂相關資料</a:t>
-            </a:r>
-            <a:r>
-              <a:rPr lang="en-US" altLang="zh-CHT" dirty="0">
-                <a:latin typeface="微軟正黑體" charset="0"/>
-                <a:ea typeface="微軟正黑體" charset="0"/>
-                <a:cs typeface="微軟正黑體" charset="0"/>
-              </a:rPr>
-              <a:t>,</a:t>
+              <a:t>音樂相關</a:t>
+            </a:r>
+            <a:r>
+              <a:rPr lang="zh-CHT" altLang="en-US" dirty="0" smtClean="0">
+                <a:latin typeface="微軟正黑體" charset="0"/>
+                <a:ea typeface="微軟正黑體" charset="0"/>
+                <a:cs typeface="微軟正黑體" charset="0"/>
+              </a:rPr>
+              <a:t>資料，蒐 </a:t>
             </a:r>
             <a:r>
               <a:rPr lang="zh-CHT" altLang="en-US" dirty="0">
@@ -12173,7 +14195,7 @@
                 <a:ea typeface="微軟正黑體" charset="0"/>
                 <a:cs typeface="微軟正黑體" charset="0"/>
               </a:rPr>
-              <a:t>蒐 集台灣華語流行音樂排行榜的相關</a:t>
+              <a:t>集台灣華語流行音樂排行榜的相關</a:t>
             </a:r>
             <a:r>
               <a:rPr lang="zh-CHT" altLang="en-US" dirty="0" smtClean="0">
@@ -12257,15 +14279,7 @@
                 <a:ea typeface="微軟正黑體" charset="0"/>
                 <a:cs typeface="微軟正黑體" charset="0"/>
               </a:rPr>
-              <a:t>轉換</a:t>
-            </a:r>
-            <a:r>
-              <a:rPr lang="en-US" altLang="zh-CHT" dirty="0">
-                <a:latin typeface="微軟正黑體" charset="0"/>
-                <a:ea typeface="微軟正黑體" charset="0"/>
-                <a:cs typeface="微軟正黑體" charset="0"/>
-              </a:rPr>
-              <a:t>,</a:t>
+              <a:t>轉換，分析</a:t>
             </a:r>
             <a:r>
               <a:rPr lang="zh-CHT" altLang="en-US" dirty="0">
@@ -12273,7 +14287,7 @@
                 <a:ea typeface="微軟正黑體" charset="0"/>
                 <a:cs typeface="微軟正黑體" charset="0"/>
               </a:rPr>
-              <a:t>分析熱門樂曲的音樂</a:t>
+              <a:t>熱門樂曲的音樂</a:t>
             </a:r>
             <a:r>
               <a:rPr lang="zh-CHT" altLang="en-US" dirty="0" smtClean="0">
@@ -12581,7 +14595,71 @@
                 <a:ea typeface="微軟正黑體" charset="0"/>
                 <a:cs typeface="微軟正黑體" charset="0"/>
               </a:rPr>
-              <a:t>）指的是以現有的科技難以處理的大量資料，資料的大小並沒有被定義，而是依照當時的科技能力而定</a:t>
+              <a:t>）指的是以現有的科技難以處理的大量</a:t>
+            </a:r>
+            <a:r>
+              <a:rPr lang="zh-CHT" altLang="zh-CHT" dirty="0" smtClean="0">
+                <a:latin typeface="微軟正黑體" charset="0"/>
+                <a:ea typeface="微軟正黑體" charset="0"/>
+                <a:cs typeface="微軟正黑體" charset="0"/>
+              </a:rPr>
+              <a:t>資料</a:t>
+            </a:r>
+            <a:r>
+              <a:rPr lang="zh-CHT" altLang="en-US" dirty="0" smtClean="0">
+                <a:latin typeface="微軟正黑體" charset="0"/>
+                <a:ea typeface="微軟正黑體" charset="0"/>
+                <a:cs typeface="微軟正黑體" charset="0"/>
+              </a:rPr>
+              <a:t>，</a:t>
+            </a:r>
+            <a:r>
+              <a:rPr lang="zh-CHT" altLang="zh-CHT" dirty="0" smtClean="0">
+                <a:latin typeface="微軟正黑體" charset="0"/>
+                <a:ea typeface="微軟正黑體" charset="0"/>
+                <a:cs typeface="微軟正黑體" charset="0"/>
+              </a:rPr>
+              <a:t>資料</a:t>
+            </a:r>
+            <a:r>
+              <a:rPr lang="zh-CHT" altLang="zh-CHT" dirty="0">
+                <a:latin typeface="微軟正黑體" charset="0"/>
+                <a:ea typeface="微軟正黑體" charset="0"/>
+                <a:cs typeface="微軟正黑體" charset="0"/>
+              </a:rPr>
+              <a:t>的大小並沒有被</a:t>
+            </a:r>
+            <a:r>
+              <a:rPr lang="zh-CHT" altLang="zh-CHT" dirty="0" smtClean="0">
+                <a:latin typeface="微軟正黑體" charset="0"/>
+                <a:ea typeface="微軟正黑體" charset="0"/>
+                <a:cs typeface="微軟正黑體" charset="0"/>
+              </a:rPr>
+              <a:t>定義</a:t>
+            </a:r>
+            <a:r>
+              <a:rPr lang="zh-CHT" altLang="en-US" dirty="0" smtClean="0">
+                <a:latin typeface="微軟正黑體" charset="0"/>
+                <a:ea typeface="微軟正黑體" charset="0"/>
+                <a:cs typeface="微軟正黑體" charset="0"/>
+              </a:rPr>
+              <a:t>，</a:t>
+            </a:r>
+            <a:r>
+              <a:rPr lang="zh-CHT" altLang="zh-CHT" dirty="0" smtClean="0">
+                <a:latin typeface="微軟正黑體" charset="0"/>
+                <a:ea typeface="微軟正黑體" charset="0"/>
+                <a:cs typeface="微軟正黑體" charset="0"/>
+              </a:rPr>
+              <a:t>而是</a:t>
+            </a:r>
+            <a:r>
+              <a:rPr lang="zh-CHT" altLang="zh-CHT" dirty="0">
+                <a:latin typeface="微軟正黑體" charset="0"/>
+                <a:ea typeface="微軟正黑體" charset="0"/>
+                <a:cs typeface="微軟正黑體" charset="0"/>
+              </a:rPr>
+              <a:t>依照當時的科技能力而定</a:t>
             </a:r>
             <a:r>
               <a:rPr lang="zh-CHT" altLang="zh-CHT" dirty="0" smtClean="0">
@@ -12877,7 +14955,39 @@
                 <a:ea typeface="微軟正黑體" charset="0"/>
                 <a:cs typeface="微軟正黑體" charset="0"/>
               </a:rPr>
-              <a:t>資料（即關聯式資料庫能夠容易處理之資料類型，如數值、字元字串、布林值等</a:t>
+              <a:t>資料（即關聯式資料庫能夠容易處理之資料</a:t>
+            </a:r>
+            <a:r>
+              <a:rPr lang="zh-CHT" altLang="zh-CHT" sz="2400" dirty="0" smtClean="0">
+                <a:latin typeface="微軟正黑體" charset="0"/>
+                <a:ea typeface="微軟正黑體" charset="0"/>
+                <a:cs typeface="微軟正黑體" charset="0"/>
+              </a:rPr>
+              <a:t>類型</a:t>
+            </a:r>
+            <a:r>
+              <a:rPr lang="zh-CHT" altLang="en-US" sz="2400" dirty="0" smtClean="0">
+                <a:latin typeface="微軟正黑體" charset="0"/>
+                <a:ea typeface="微軟正黑體" charset="0"/>
+                <a:cs typeface="微軟正黑體" charset="0"/>
+              </a:rPr>
+              <a:t>，</a:t>
+            </a:r>
+            <a:r>
+              <a:rPr lang="zh-CHT" altLang="zh-CHT" sz="2400" dirty="0" smtClean="0">
+                <a:latin typeface="微軟正黑體" charset="0"/>
+                <a:ea typeface="微軟正黑體" charset="0"/>
+                <a:cs typeface="微軟正黑體" charset="0"/>
+              </a:rPr>
+              <a:t>如</a:t>
+            </a:r>
+            <a:r>
+              <a:rPr lang="zh-CHT" altLang="zh-CHT" sz="2400" dirty="0">
+                <a:latin typeface="微軟正黑體" charset="0"/>
+                <a:ea typeface="微軟正黑體" charset="0"/>
+                <a:cs typeface="微軟正黑體" charset="0"/>
+              </a:rPr>
+              <a:t>數值、字元字串、布林值等</a:t>
             </a:r>
             <a:r>
               <a:rPr lang="zh-CHT" altLang="zh-CHT" sz="2400" dirty="0" smtClean="0">
@@ -12937,7 +15047,23 @@
                 <a:ea typeface="微軟正黑體" charset="0"/>
                 <a:cs typeface="微軟正黑體" charset="0"/>
               </a:rPr>
-              <a:t>料</a:t>
+              <a:t>料型態</a:t>
+            </a:r>
+            <a:r>
+              <a:rPr lang="zh-CHT" altLang="en-US" sz="2400" b="1" dirty="0" smtClean="0">
+                <a:latin typeface="微軟正黑體" charset="0"/>
+                <a:ea typeface="微軟正黑體" charset="0"/>
+                <a:cs typeface="微軟正黑體" charset="0"/>
+              </a:rPr>
+              <a:t>，</a:t>
+            </a:r>
+            <a:r>
+              <a:rPr lang="zh-CHT" altLang="zh-CHT" sz="2400" b="1" dirty="0" smtClean="0">
+                <a:latin typeface="微軟正黑體" charset="0"/>
+                <a:ea typeface="微軟正黑體" charset="0"/>
+                <a:cs typeface="微軟正黑體" charset="0"/>
+              </a:rPr>
+              <a:t>如</a:t>
             </a:r>
             <a:r>
               <a:rPr lang="zh-CHT" altLang="zh-CHT" sz="2400" b="1" dirty="0">
@@ -12945,7 +15071,7 @@
                 <a:ea typeface="微軟正黑體" charset="0"/>
                 <a:cs typeface="微軟正黑體" charset="0"/>
               </a:rPr>
-              <a:t>型態，如網頁、文件、多媒體等）</a:t>
+              <a:t>網頁、文件、多媒體等）</a:t>
             </a:r>
             <a:r>
               <a:rPr lang="zh-CHT" altLang="zh-CHT" sz="2400" b="1" dirty="0" smtClean="0">
